--- a/Class 2/Introduction to Web Development_Lesson2.pptx
+++ b/Class 2/Introduction to Web Development_Lesson2.pptx
@@ -9,9 +9,10 @@
     <p:sldId id="257" r:id="rId3"/>
     <p:sldId id="263" r:id="rId4"/>
     <p:sldId id="259" r:id="rId5"/>
-    <p:sldId id="260" r:id="rId6"/>
-    <p:sldId id="261" r:id="rId7"/>
-    <p:sldId id="262" r:id="rId8"/>
+    <p:sldId id="264" r:id="rId6"/>
+    <p:sldId id="260" r:id="rId7"/>
+    <p:sldId id="261" r:id="rId8"/>
+    <p:sldId id="262" r:id="rId9"/>
   </p:sldIdLst>
   <p:sldSz cx="12192000" cy="6858000"/>
   <p:notesSz cx="6858000" cy="9144000"/>
@@ -344,7 +345,7 @@
           <a:p>
             <a:fld id="{4BDF68E2-58F2-4D09-BE8B-E3BD06533059}" type="datetimeFigureOut">
               <a:rPr lang="en-US" dirty="0"/>
-              <a:t>11/18/2014</a:t>
+              <a:t>11/25/2014</a:t>
             </a:fld>
             <a:endParaRPr lang="en-US" dirty="0"/>
           </a:p>
@@ -547,7 +548,7 @@
           <a:p>
             <a:fld id="{2E2D6473-DF6D-4702-B328-E0DD40540A4E}" type="datetimeFigureOut">
               <a:rPr lang="en-US" dirty="0"/>
-              <a:t>11/18/2014</a:t>
+              <a:t>11/25/2014</a:t>
             </a:fld>
             <a:endParaRPr lang="en-US" dirty="0"/>
           </a:p>
@@ -798,7 +799,7 @@
           <a:p>
             <a:fld id="{E26F7E3A-B166-407D-9866-32884E7D5B37}" type="datetimeFigureOut">
               <a:rPr lang="en-US" dirty="0"/>
-              <a:t>11/18/2014</a:t>
+              <a:t>11/25/2014</a:t>
             </a:fld>
             <a:endParaRPr lang="en-US" dirty="0"/>
           </a:p>
@@ -967,7 +968,7 @@
           <a:p>
             <a:fld id="{528FC5F6-F338-4AE4-BB23-26385BCFC423}" type="datetimeFigureOut">
               <a:rPr lang="en-US" dirty="0"/>
-              <a:t>11/18/2014</a:t>
+              <a:t>11/25/2014</a:t>
             </a:fld>
             <a:endParaRPr lang="en-US" dirty="0"/>
           </a:p>
@@ -1305,7 +1306,7 @@
           <a:p>
             <a:fld id="{20EBB0C4-6273-4C6E-B9BD-2EDC30F1CD52}" type="datetimeFigureOut">
               <a:rPr lang="en-US" dirty="0"/>
-              <a:t>11/18/2014</a:t>
+              <a:t>11/25/2014</a:t>
             </a:fld>
             <a:endParaRPr lang="en-US" dirty="0"/>
           </a:p>
@@ -1575,7 +1576,7 @@
           <a:p>
             <a:fld id="{19AB4D41-86C1-4908-B66A-0B50CEB3BF29}" type="datetimeFigureOut">
               <a:rPr lang="en-US" dirty="0"/>
-              <a:t>11/18/2014</a:t>
+              <a:t>11/25/2014</a:t>
             </a:fld>
             <a:endParaRPr lang="en-US" dirty="0"/>
           </a:p>
@@ -1949,7 +1950,7 @@
           <a:p>
             <a:fld id="{E6426E2C-56C1-4E0D-A793-0088A7FDD37E}" type="datetimeFigureOut">
               <a:rPr lang="en-US" dirty="0"/>
-              <a:t>11/18/2014</a:t>
+              <a:t>11/25/2014</a:t>
             </a:fld>
             <a:endParaRPr lang="en-US" dirty="0"/>
           </a:p>
@@ -2062,7 +2063,7 @@
           <a:p>
             <a:fld id="{C8C39B41-D8B5-4052-B551-9B5525EAA8B6}" type="datetimeFigureOut">
               <a:rPr lang="en-US" dirty="0"/>
-              <a:t>11/18/2014</a:t>
+              <a:t>11/25/2014</a:t>
             </a:fld>
             <a:endParaRPr lang="en-US" dirty="0"/>
           </a:p>
@@ -2228,7 +2229,7 @@
           <a:p>
             <a:fld id="{4D94136C-8742-45B2-AF27-D93DF72833A9}" type="datetimeFigureOut">
               <a:rPr lang="en-US" dirty="0"/>
-              <a:t>11/18/2014</a:t>
+              <a:t>11/25/2014</a:t>
             </a:fld>
             <a:endParaRPr lang="en-US" dirty="0"/>
           </a:p>
@@ -2578,7 +2579,7 @@
           <a:p>
             <a:fld id="{32ABBEA6-7C60-4B02-AE87-00D78D8422AF}" type="datetimeFigureOut">
               <a:rPr lang="en-US" dirty="0"/>
-              <a:t>11/18/2014</a:t>
+              <a:t>11/25/2014</a:t>
             </a:fld>
             <a:endParaRPr lang="en-US" dirty="0"/>
           </a:p>
@@ -2956,7 +2957,7 @@
           <a:p>
             <a:fld id="{C9CAD897-D46E-4AD2-BD9B-49DD3E640873}" type="datetimeFigureOut">
               <a:rPr lang="en-US" dirty="0"/>
-              <a:t>11/18/2014</a:t>
+              <a:t>11/25/2014</a:t>
             </a:fld>
             <a:endParaRPr lang="en-US" dirty="0"/>
           </a:p>
@@ -3238,7 +3239,7 @@
           <a:p>
             <a:fld id="{98624D31-43A5-475A-80CF-332C9F6DCF35}" type="datetimeFigureOut">
               <a:rPr lang="en-US" dirty="0"/>
-              <a:t>11/18/2014</a:t>
+              <a:t>11/25/2014</a:t>
             </a:fld>
             <a:endParaRPr lang="en-US" dirty="0"/>
           </a:p>
@@ -4196,130 +4197,126 @@
         <p:spPr/>
         <p:txBody>
           <a:bodyPr>
-            <a:normAutofit fontScale="92500" lnSpcReduction="10000"/>
+            <a:normAutofit/>
           </a:bodyPr>
           <a:lstStyle/>
           <a:p>
             <a:r>
+              <a:rPr lang="en-US" sz="2800" dirty="0"/>
+              <a:t>Html 5 structure tags</a:t>
+            </a:r>
+          </a:p>
+          <a:p>
+            <a:pPr lvl="1"/>
+            <a:r>
               <a:rPr lang="en-US" sz="2400" dirty="0"/>
-              <a:t>Html 5 structure tags</a:t>
-            </a:r>
+              <a:t>Section &lt;section&gt;&lt;/section</a:t>
+            </a:r>
+            <a:r>
+              <a:rPr lang="en-US" sz="2400" dirty="0" smtClean="0"/>
+              <a:t>&gt; - </a:t>
+            </a:r>
+            <a:r>
+              <a:rPr lang="en-US" sz="2400" dirty="0"/>
+              <a:t>defines sections in a document, such as chapters, headers, footers, or any other sections of the document.</a:t>
+            </a:r>
+            <a:endParaRPr lang="en-US" sz="2400" dirty="0"/>
           </a:p>
           <a:p>
             <a:pPr lvl="1"/>
             <a:r>
-              <a:rPr lang="en-US" sz="2000" dirty="0"/>
-              <a:t>Section &lt;section&gt;&lt;/section&gt;</a:t>
-            </a:r>
+              <a:rPr lang="en-US" sz="2400" dirty="0"/>
+              <a:t>Header &lt;header&gt;&lt;/header</a:t>
+            </a:r>
+            <a:r>
+              <a:rPr lang="en-US" sz="2400" dirty="0" smtClean="0"/>
+              <a:t>&gt; - </a:t>
+            </a:r>
+            <a:r>
+              <a:rPr lang="en-US" sz="2400" dirty="0"/>
+              <a:t>represents a container for introductory content or a set of navigational links.</a:t>
+            </a:r>
+            <a:endParaRPr lang="en-US" sz="2400" dirty="0"/>
           </a:p>
           <a:p>
             <a:pPr lvl="1"/>
             <a:r>
-              <a:rPr lang="en-US" sz="2000" dirty="0"/>
-              <a:t>Header &lt;header&gt;&lt;/header&gt;</a:t>
-            </a:r>
+              <a:rPr lang="en-US" sz="2400" dirty="0"/>
+              <a:t>Article &lt;article&gt;&lt;/article</a:t>
+            </a:r>
+            <a:r>
+              <a:rPr lang="en-US" sz="2400" dirty="0" smtClean="0"/>
+              <a:t>&gt; - </a:t>
+            </a:r>
+            <a:r>
+              <a:rPr lang="en-US" sz="2400" dirty="0"/>
+              <a:t>specifies independent, self-contained content.</a:t>
+            </a:r>
+            <a:endParaRPr lang="en-US" sz="2400" dirty="0"/>
           </a:p>
           <a:p>
             <a:pPr lvl="1"/>
             <a:r>
-              <a:rPr lang="en-US" sz="2000" dirty="0"/>
-              <a:t>Article &lt;article&gt;&lt;/article&gt;</a:t>
-            </a:r>
+              <a:rPr lang="en-US" sz="2400" dirty="0" err="1"/>
+              <a:t>Nav</a:t>
+            </a:r>
+            <a:r>
+              <a:rPr lang="en-US" sz="2400" dirty="0"/>
+              <a:t> &lt;</a:t>
+            </a:r>
+            <a:r>
+              <a:rPr lang="en-US" sz="2400" dirty="0" err="1"/>
+              <a:t>nav</a:t>
+            </a:r>
+            <a:r>
+              <a:rPr lang="en-US" sz="2400" dirty="0"/>
+              <a:t>&gt;&lt;/</a:t>
+            </a:r>
+            <a:r>
+              <a:rPr lang="en-US" sz="2400" dirty="0" err="1"/>
+              <a:t>nav</a:t>
+            </a:r>
+            <a:r>
+              <a:rPr lang="en-US" sz="2400" dirty="0" smtClean="0"/>
+              <a:t>&gt; - </a:t>
+            </a:r>
+            <a:r>
+              <a:rPr lang="en-US" sz="2400" dirty="0"/>
+              <a:t>defines a set of navigation links.</a:t>
+            </a:r>
+            <a:endParaRPr lang="en-US" sz="2400" dirty="0"/>
           </a:p>
           <a:p>
             <a:pPr lvl="1"/>
             <a:r>
-              <a:rPr lang="en-US" sz="2000" dirty="0" err="1"/>
-              <a:t>Nav</a:t>
-            </a:r>
-            <a:r>
-              <a:rPr lang="en-US" sz="2000" dirty="0"/>
-              <a:t> &lt;</a:t>
-            </a:r>
-            <a:r>
-              <a:rPr lang="en-US" sz="2000" dirty="0" err="1"/>
-              <a:t>nav</a:t>
-            </a:r>
-            <a:r>
-              <a:rPr lang="en-US" sz="2000" dirty="0"/>
-              <a:t>&gt;&lt;/</a:t>
-            </a:r>
-            <a:r>
-              <a:rPr lang="en-US" sz="2000" dirty="0" err="1"/>
-              <a:t>nav</a:t>
-            </a:r>
-            <a:r>
-              <a:rPr lang="en-US" sz="2000" dirty="0"/>
-              <a:t>&gt;</a:t>
-            </a:r>
+              <a:rPr lang="en-US" sz="2400" dirty="0"/>
+              <a:t>Footer &lt;footer&gt;&lt;/footer</a:t>
+            </a:r>
+            <a:r>
+              <a:rPr lang="en-US" sz="2400" dirty="0" smtClean="0"/>
+              <a:t>&gt; - </a:t>
+            </a:r>
+            <a:r>
+              <a:rPr lang="en-US" sz="2400" dirty="0"/>
+              <a:t>defines a footer for a document or section.</a:t>
+            </a:r>
+            <a:endParaRPr lang="en-US" sz="2400" dirty="0"/>
           </a:p>
           <a:p>
             <a:pPr lvl="1"/>
             <a:r>
-              <a:rPr lang="en-US" sz="2000" dirty="0"/>
-              <a:t>Footer &lt;footer&gt;&lt;/footer&gt;</a:t>
-            </a:r>
-          </a:p>
-          <a:p>
-            <a:pPr lvl="1"/>
-            <a:r>
-              <a:rPr lang="en-US" sz="2000" dirty="0"/>
+              <a:rPr lang="en-US" sz="2400" dirty="0"/>
               <a:t>Aside &lt;aside&gt;&lt;/aside</a:t>
             </a:r>
             <a:r>
-              <a:rPr lang="en-US" sz="2000" dirty="0" smtClean="0"/>
-              <a:t>&gt;</a:t>
-            </a:r>
-          </a:p>
-          <a:p>
-            <a:r>
               <a:rPr lang="en-US" sz="2400" dirty="0" smtClean="0"/>
-              <a:t>Html Block Elements</a:t>
-            </a:r>
-          </a:p>
-          <a:p>
-            <a:pPr lvl="1"/>
-            <a:r>
-              <a:rPr lang="en-US" sz="2000" dirty="0" smtClean="0"/>
-              <a:t>Paragraph &lt;p&gt;&lt;/p&gt;</a:t>
-            </a:r>
-          </a:p>
-          <a:p>
-            <a:pPr lvl="1"/>
-            <a:r>
-              <a:rPr lang="en-US" sz="2000" dirty="0" smtClean="0"/>
-              <a:t>H &lt;h?&gt;&lt;/h?&gt;</a:t>
-            </a:r>
-          </a:p>
-          <a:p>
-            <a:pPr lvl="1"/>
-            <a:r>
-              <a:rPr lang="en-US" sz="2000" dirty="0" smtClean="0"/>
-              <a:t>Line breaks &lt;</a:t>
-            </a:r>
-            <a:r>
-              <a:rPr lang="en-US" sz="2000" dirty="0" err="1" smtClean="0"/>
-              <a:t>br</a:t>
-            </a:r>
-            <a:r>
-              <a:rPr lang="en-US" sz="2000" dirty="0" smtClean="0"/>
-              <a:t> /&gt;</a:t>
-            </a:r>
-          </a:p>
-          <a:p>
-            <a:pPr lvl="1"/>
-            <a:r>
-              <a:rPr lang="en-US" sz="2000" dirty="0" smtClean="0"/>
-              <a:t>Horizontal break &lt;</a:t>
-            </a:r>
-            <a:r>
-              <a:rPr lang="en-US" sz="2000" dirty="0" err="1" smtClean="0"/>
-              <a:t>hr</a:t>
-            </a:r>
-            <a:r>
-              <a:rPr lang="en-US" sz="2000" dirty="0" smtClean="0"/>
-              <a:t> /&gt;</a:t>
-            </a:r>
+              <a:t>&gt; - </a:t>
+            </a:r>
+            <a:r>
+              <a:rPr lang="en-US" sz="2400" dirty="0"/>
+              <a:t>defines some content aside from the content it is placed in.</a:t>
+            </a:r>
+            <a:endParaRPr lang="en-US" sz="2400" dirty="0" smtClean="0"/>
           </a:p>
           <a:p>
             <a:pPr lvl="1"/>
@@ -4373,10 +4370,9 @@
           <a:lstStyle/>
           <a:p>
             <a:r>
-              <a:rPr lang="en-US" dirty="0" smtClean="0"/>
+              <a:rPr lang="en-US" dirty="0"/>
               <a:t>Recap of Lesson 1 cont.</a:t>
             </a:r>
-            <a:endParaRPr lang="en-US" dirty="0"/>
           </a:p>
         </p:txBody>
       </p:sp>
@@ -4392,99 +4388,113 @@
         </p:nvSpPr>
         <p:spPr/>
         <p:txBody>
-          <a:bodyPr>
-            <a:normAutofit lnSpcReduction="10000"/>
-          </a:bodyPr>
-          <a:lstStyle/>
-          <a:p>
+          <a:bodyPr/>
+          <a:lstStyle/>
+          <a:p>
+            <a:r>
+              <a:rPr lang="en-US" sz="4400" dirty="0"/>
+              <a:t>Html Block Elements</a:t>
+            </a:r>
+          </a:p>
+          <a:p>
+            <a:pPr lvl="1"/>
+            <a:r>
+              <a:rPr lang="en-US" sz="3200" dirty="0"/>
+              <a:t>Paragraph &lt;p&gt;&lt;/p</a:t>
+            </a:r>
             <a:r>
               <a:rPr lang="en-US" sz="3200" dirty="0" smtClean="0"/>
-              <a:t>Inline Elements</a:t>
+              <a:t>&gt; - </a:t>
+            </a:r>
+            <a:r>
+              <a:rPr lang="en-US" sz="3200" dirty="0"/>
+              <a:t>defines a paragraph.</a:t>
             </a:r>
           </a:p>
           <a:p>
             <a:pPr lvl="1"/>
             <a:r>
-              <a:rPr lang="en-US" sz="2800" dirty="0" err="1" smtClean="0"/>
-              <a:t>Em</a:t>
-            </a:r>
-            <a:r>
-              <a:rPr lang="en-US" sz="2800" dirty="0" smtClean="0"/>
-              <a:t> &lt;</a:t>
-            </a:r>
-            <a:r>
-              <a:rPr lang="en-US" sz="2800" dirty="0" err="1" smtClean="0"/>
-              <a:t>em</a:t>
-            </a:r>
-            <a:r>
-              <a:rPr lang="en-US" sz="2800" dirty="0" smtClean="0"/>
-              <a:t>&gt;&lt;/</a:t>
-            </a:r>
-            <a:r>
-              <a:rPr lang="en-US" sz="2800" dirty="0" err="1" smtClean="0"/>
-              <a:t>em</a:t>
-            </a:r>
-            <a:r>
-              <a:rPr lang="en-US" sz="2800" dirty="0" smtClean="0"/>
-              <a:t>&gt; - everything within has italics applied</a:t>
+              <a:rPr lang="en-US" sz="3200" dirty="0"/>
+              <a:t>H &lt;</a:t>
+            </a:r>
+            <a:r>
+              <a:rPr lang="en-US" sz="3200" dirty="0" smtClean="0"/>
+              <a:t>h?&gt;&lt;/</a:t>
+            </a:r>
+            <a:r>
+              <a:rPr lang="en-US" sz="3200" dirty="0"/>
+              <a:t>h</a:t>
+            </a:r>
+            <a:r>
+              <a:rPr lang="en-US" sz="3200" dirty="0" smtClean="0"/>
+              <a:t>?&gt; - (&lt;h1&gt; to &lt;h6&gt; tags) - </a:t>
+            </a:r>
+            <a:r>
+              <a:rPr lang="en-US" sz="3200" dirty="0"/>
+              <a:t>are used to define HTML headings.</a:t>
             </a:r>
           </a:p>
           <a:p>
             <a:pPr lvl="1"/>
             <a:r>
-              <a:rPr lang="en-US" sz="2800" dirty="0" smtClean="0"/>
-              <a:t>Strong &lt;strong&gt;&lt;/strong&gt; - everything </a:t>
-            </a:r>
-            <a:r>
-              <a:rPr lang="en-US" sz="2800" dirty="0"/>
-              <a:t>within has </a:t>
-            </a:r>
-            <a:r>
-              <a:rPr lang="en-US" sz="2800" dirty="0" smtClean="0"/>
-              <a:t>bold applied</a:t>
+              <a:rPr lang="en-US" sz="3200" dirty="0"/>
+              <a:t>Line breaks &lt;</a:t>
+            </a:r>
+            <a:r>
+              <a:rPr lang="en-US" sz="3200" dirty="0" err="1"/>
+              <a:t>br</a:t>
+            </a:r>
+            <a:r>
+              <a:rPr lang="en-US" sz="3200" dirty="0"/>
+              <a:t> </a:t>
+            </a:r>
+            <a:r>
+              <a:rPr lang="en-US" sz="3200" dirty="0" smtClean="0"/>
+              <a:t>/&gt; - </a:t>
+            </a:r>
+            <a:r>
+              <a:rPr lang="en-US" sz="3200" dirty="0"/>
+              <a:t>inserts a single line break. </a:t>
             </a:r>
           </a:p>
           <a:p>
             <a:pPr lvl="1"/>
             <a:r>
-              <a:rPr lang="en-US" sz="2800" dirty="0" smtClean="0"/>
-              <a:t>Span &lt;span&gt;&lt;/span&gt; - everything within can have different styles applied</a:t>
-            </a:r>
-          </a:p>
-          <a:p>
-            <a:pPr lvl="1"/>
-            <a:endParaRPr lang="en-US" sz="2800" dirty="0"/>
-          </a:p>
-          <a:p>
+              <a:rPr lang="en-US" sz="3200" dirty="0"/>
+              <a:t>Horizontal break &lt;</a:t>
+            </a:r>
+            <a:r>
+              <a:rPr lang="en-US" sz="3200" dirty="0" err="1"/>
+              <a:t>hr</a:t>
+            </a:r>
+            <a:r>
+              <a:rPr lang="en-US" sz="3200" dirty="0"/>
+              <a:t> </a:t>
+            </a:r>
             <a:r>
               <a:rPr lang="en-US" sz="3200" dirty="0" smtClean="0"/>
-              <a:t>Element Attributes</a:t>
-            </a:r>
-          </a:p>
-          <a:p>
-            <a:pPr lvl="1"/>
-            <a:r>
-              <a:rPr lang="en-US" sz="2800" dirty="0" smtClean="0"/>
-              <a:t>Id id=“xxx”</a:t>
-            </a:r>
-          </a:p>
-          <a:p>
-            <a:pPr lvl="1"/>
-            <a:r>
-              <a:rPr lang="en-US" sz="2800" dirty="0" smtClean="0"/>
-              <a:t>Class class=“xxx”</a:t>
-            </a:r>
-          </a:p>
-          <a:p>
-            <a:pPr lvl="1"/>
-            <a:endParaRPr lang="en-US" dirty="0"/>
+              <a:t>/&gt; - </a:t>
+            </a:r>
+            <a:r>
+              <a:rPr lang="en-US" sz="3200" dirty="0"/>
+              <a:t>defines a thematic break in an HTML </a:t>
+            </a:r>
+            <a:r>
+              <a:rPr lang="en-US" sz="3200" dirty="0" smtClean="0"/>
+              <a:t>page</a:t>
+            </a:r>
+            <a:r>
+              <a:rPr lang="en-US" sz="2000" dirty="0" smtClean="0"/>
+              <a:t>. </a:t>
+            </a:r>
+            <a:endParaRPr lang="en-US" sz="2000" dirty="0"/>
           </a:p>
         </p:txBody>
       </p:sp>
     </p:spTree>
     <p:extLst>
       <p:ext uri="{BB962C8B-B14F-4D97-AF65-F5344CB8AC3E}">
-        <p14:creationId xmlns:p14="http://schemas.microsoft.com/office/powerpoint/2010/main" val="2533152119"/>
+        <p14:creationId xmlns:p14="http://schemas.microsoft.com/office/powerpoint/2010/main" val="2556772717"/>
       </p:ext>
     </p:extLst>
   </p:cSld>
@@ -4528,7 +4538,7 @@
           <a:p>
             <a:r>
               <a:rPr lang="en-US" dirty="0" smtClean="0"/>
-              <a:t>Lesson 2 – New Tags</a:t>
+              <a:t>Recap of Lesson 1 cont.</a:t>
             </a:r>
             <a:endParaRPr lang="en-US" dirty="0"/>
           </a:p>
@@ -4547,182 +4557,94 @@
         <p:spPr/>
         <p:txBody>
           <a:bodyPr>
-            <a:normAutofit fontScale="92500" lnSpcReduction="10000"/>
+            <a:normAutofit lnSpcReduction="10000"/>
           </a:bodyPr>
           <a:lstStyle/>
           <a:p>
             <a:r>
-              <a:rPr lang="en-US" sz="2600" dirty="0" smtClean="0"/>
-              <a:t>New HTML Elements</a:t>
+              <a:rPr lang="en-US" sz="3200" dirty="0" smtClean="0"/>
+              <a:t>Inline Elements</a:t>
             </a:r>
           </a:p>
           <a:p>
             <a:pPr lvl="1"/>
             <a:r>
-              <a:rPr lang="en-US" sz="2200" dirty="0" smtClean="0"/>
-              <a:t>Anchor &lt;a&gt;&lt;/a</a:t>
-            </a:r>
-            <a:r>
-              <a:rPr lang="en-US" sz="2200" dirty="0" smtClean="0"/>
-              <a:t>&gt;</a:t>
-            </a:r>
-          </a:p>
-          <a:p>
-            <a:pPr lvl="2"/>
-            <a:r>
-              <a:rPr lang="en-US" dirty="0" smtClean="0"/>
-              <a:t>Used to create links to different pages, or sections of current page.</a:t>
-            </a:r>
-            <a:endParaRPr lang="en-US" dirty="0" smtClean="0"/>
-          </a:p>
-          <a:p>
-            <a:pPr lvl="2"/>
-            <a:r>
-              <a:rPr lang="en-US" sz="1700" dirty="0"/>
-              <a:t>Target=“_blank</a:t>
-            </a:r>
-            <a:r>
-              <a:rPr lang="en-US" sz="1700" dirty="0" smtClean="0"/>
-              <a:t>”</a:t>
-            </a:r>
-          </a:p>
-          <a:p>
-            <a:pPr lvl="2"/>
-            <a:r>
-              <a:rPr lang="en-US" sz="1700" dirty="0" err="1" smtClean="0"/>
-              <a:t>href</a:t>
-            </a:r>
-            <a:r>
-              <a:rPr lang="en-US" sz="1700" dirty="0" smtClean="0"/>
-              <a:t>=“http://www.example.com”</a:t>
-            </a:r>
-            <a:endParaRPr lang="en-US" sz="1700" dirty="0" smtClean="0"/>
+              <a:rPr lang="en-US" sz="2800" dirty="0" err="1" smtClean="0"/>
+              <a:t>Em</a:t>
+            </a:r>
+            <a:r>
+              <a:rPr lang="en-US" sz="2800" dirty="0" smtClean="0"/>
+              <a:t> &lt;</a:t>
+            </a:r>
+            <a:r>
+              <a:rPr lang="en-US" sz="2800" dirty="0" err="1" smtClean="0"/>
+              <a:t>em</a:t>
+            </a:r>
+            <a:r>
+              <a:rPr lang="en-US" sz="2800" dirty="0" smtClean="0"/>
+              <a:t>&gt;&lt;/</a:t>
+            </a:r>
+            <a:r>
+              <a:rPr lang="en-US" sz="2800" dirty="0" err="1" smtClean="0"/>
+              <a:t>em</a:t>
+            </a:r>
+            <a:r>
+              <a:rPr lang="en-US" sz="2800" dirty="0" smtClean="0"/>
+              <a:t>&gt; - everything within has italics applied</a:t>
+            </a:r>
           </a:p>
           <a:p>
             <a:pPr lvl="1"/>
             <a:r>
-              <a:rPr lang="en-US" sz="2200" dirty="0" err="1" smtClean="0"/>
-              <a:t>Img</a:t>
-            </a:r>
-            <a:r>
-              <a:rPr lang="en-US" sz="2200" dirty="0" smtClean="0"/>
-              <a:t> &lt;</a:t>
-            </a:r>
-            <a:r>
-              <a:rPr lang="en-US" sz="2200" dirty="0" err="1" smtClean="0"/>
-              <a:t>img</a:t>
-            </a:r>
-            <a:r>
-              <a:rPr lang="en-US" sz="2200" dirty="0" smtClean="0"/>
-              <a:t>&gt;&lt;/</a:t>
-            </a:r>
-            <a:r>
-              <a:rPr lang="en-US" sz="2200" dirty="0" err="1" smtClean="0"/>
-              <a:t>img</a:t>
-            </a:r>
-            <a:r>
-              <a:rPr lang="en-US" sz="2200" dirty="0" smtClean="0"/>
-              <a:t>&gt;</a:t>
-            </a:r>
-          </a:p>
-          <a:p>
-            <a:pPr lvl="2"/>
-            <a:r>
-              <a:rPr lang="en-US" dirty="0" smtClean="0"/>
-              <a:t>Used to represent an image on a web page.</a:t>
-            </a:r>
-            <a:endParaRPr lang="en-US" dirty="0" smtClean="0"/>
+              <a:rPr lang="en-US" sz="2800" dirty="0" smtClean="0"/>
+              <a:t>Strong &lt;strong&gt;&lt;/strong&gt; - everything </a:t>
+            </a:r>
+            <a:r>
+              <a:rPr lang="en-US" sz="2800" dirty="0"/>
+              <a:t>within has </a:t>
+            </a:r>
+            <a:r>
+              <a:rPr lang="en-US" sz="2800" dirty="0" smtClean="0"/>
+              <a:t>bold applied</a:t>
+            </a:r>
           </a:p>
           <a:p>
             <a:pPr lvl="1"/>
             <a:r>
-              <a:rPr lang="en-US" sz="2200" dirty="0" smtClean="0"/>
-              <a:t>Unordered List &lt;</a:t>
-            </a:r>
-            <a:r>
-              <a:rPr lang="en-US" sz="2200" dirty="0" err="1" smtClean="0"/>
-              <a:t>ul</a:t>
-            </a:r>
-            <a:r>
-              <a:rPr lang="en-US" sz="2200" dirty="0" smtClean="0"/>
-              <a:t>&gt;&lt;/</a:t>
-            </a:r>
-            <a:r>
-              <a:rPr lang="en-US" sz="2200" dirty="0" err="1" smtClean="0"/>
-              <a:t>ul</a:t>
-            </a:r>
-            <a:r>
-              <a:rPr lang="en-US" sz="2200" dirty="0" smtClean="0"/>
-              <a:t>&gt;</a:t>
-            </a:r>
-          </a:p>
-          <a:p>
-            <a:pPr lvl="2"/>
-            <a:r>
-              <a:rPr lang="en-US" dirty="0" smtClean="0"/>
-              <a:t>Used to create unordered list</a:t>
-            </a:r>
-            <a:endParaRPr lang="en-US" dirty="0" smtClean="0"/>
+              <a:rPr lang="en-US" sz="2800" dirty="0" smtClean="0"/>
+              <a:t>Span &lt;span&gt;&lt;/span&gt; - everything within can have different styles applied</a:t>
+            </a:r>
           </a:p>
           <a:p>
             <a:pPr lvl="1"/>
-            <a:r>
-              <a:rPr lang="en-US" sz="2200" dirty="0" smtClean="0"/>
-              <a:t>Ordered List &lt;</a:t>
-            </a:r>
-            <a:r>
-              <a:rPr lang="en-US" sz="2200" dirty="0" err="1" smtClean="0"/>
-              <a:t>ol</a:t>
-            </a:r>
-            <a:r>
-              <a:rPr lang="en-US" sz="2200" dirty="0" smtClean="0"/>
-              <a:t>&gt;&lt;/</a:t>
-            </a:r>
-            <a:r>
-              <a:rPr lang="en-US" sz="2200" dirty="0" err="1" smtClean="0"/>
-              <a:t>ol</a:t>
-            </a:r>
-            <a:r>
-              <a:rPr lang="en-US" sz="2200" dirty="0" smtClean="0"/>
-              <a:t>&gt;</a:t>
-            </a:r>
-          </a:p>
-          <a:p>
-            <a:pPr lvl="2"/>
-            <a:r>
-              <a:rPr lang="en-US" dirty="0" smtClean="0"/>
-              <a:t>Used to create ordered list</a:t>
-            </a:r>
-            <a:endParaRPr lang="en-US" dirty="0" smtClean="0"/>
+            <a:endParaRPr lang="en-US" sz="2800" dirty="0"/>
+          </a:p>
+          <a:p>
+            <a:r>
+              <a:rPr lang="en-US" sz="3200" dirty="0" smtClean="0"/>
+              <a:t>Common Element </a:t>
+            </a:r>
+            <a:r>
+              <a:rPr lang="en-US" sz="3200" dirty="0" smtClean="0"/>
+              <a:t>Attributes</a:t>
+            </a:r>
           </a:p>
           <a:p>
             <a:pPr lvl="1"/>
             <a:r>
-              <a:rPr lang="en-US" sz="2200" dirty="0" smtClean="0"/>
-              <a:t>List &lt;li&gt;&lt;/li</a:t>
-            </a:r>
-            <a:r>
-              <a:rPr lang="en-US" sz="2200" dirty="0" smtClean="0"/>
-              <a:t>&gt;</a:t>
-            </a:r>
-          </a:p>
-          <a:p>
-            <a:pPr lvl="2"/>
-            <a:r>
-              <a:rPr lang="en-US" dirty="0" smtClean="0"/>
-              <a:t>Individual list items in an ordered/unordered list</a:t>
-            </a:r>
-            <a:endParaRPr lang="en-US" dirty="0" smtClean="0"/>
+              <a:rPr lang="en-US" sz="2800" dirty="0" smtClean="0"/>
+              <a:t>Id id=“xxx”</a:t>
+            </a:r>
           </a:p>
           <a:p>
             <a:pPr lvl="1"/>
-            <a:endParaRPr lang="en-US" dirty="0" smtClean="0"/>
+            <a:r>
+              <a:rPr lang="en-US" sz="2800" dirty="0" smtClean="0"/>
+              <a:t>Class class=“xxx”</a:t>
+            </a:r>
           </a:p>
           <a:p>
             <a:pPr lvl="1"/>
-            <a:endParaRPr lang="en-US" dirty="0" smtClean="0"/>
-          </a:p>
-          <a:p>
             <a:endParaRPr lang="en-US" dirty="0"/>
           </a:p>
         </p:txBody>
@@ -4730,7 +4652,7 @@
     </p:spTree>
     <p:extLst>
       <p:ext uri="{BB962C8B-B14F-4D97-AF65-F5344CB8AC3E}">
-        <p14:creationId xmlns:p14="http://schemas.microsoft.com/office/powerpoint/2010/main" val="2220027171"/>
+        <p14:creationId xmlns:p14="http://schemas.microsoft.com/office/powerpoint/2010/main" val="2533152119"/>
       </p:ext>
     </p:extLst>
   </p:cSld>
@@ -4772,6 +4694,10 @@
           <a:bodyPr/>
           <a:lstStyle/>
           <a:p>
+            <a:r>
+              <a:rPr lang="en-US" dirty="0" smtClean="0"/>
+              <a:t>Lesson 2 – New Tags</a:t>
+            </a:r>
             <a:endParaRPr lang="en-US" dirty="0"/>
           </a:p>
         </p:txBody>
@@ -4788,47 +4714,289 @@
         </p:nvSpPr>
         <p:spPr/>
         <p:txBody>
-          <a:bodyPr/>
+          <a:bodyPr>
+            <a:normAutofit fontScale="92500" lnSpcReduction="10000"/>
+          </a:bodyPr>
           <a:lstStyle/>
           <a:p>
             <a:r>
               <a:rPr lang="en-US" sz="2600" dirty="0"/>
-              <a:t>New Attributes</a:t>
+              <a:t>New HTML Elements</a:t>
             </a:r>
           </a:p>
           <a:p>
             <a:pPr lvl="1"/>
             <a:r>
-              <a:rPr lang="en-US" sz="2200" dirty="0" err="1"/>
+              <a:rPr lang="en-US" sz="2800" dirty="0"/>
+              <a:t>Anchor &lt;a&gt;&lt;/a&gt; - Are used to create clickable links to other pages, pictures, videos, etc.</a:t>
+            </a:r>
+          </a:p>
+          <a:p>
+            <a:pPr lvl="2"/>
+            <a:r>
+              <a:rPr lang="en-US" sz="2000" dirty="0"/>
+              <a:t>Target=“_blank” - Specifies where to open the linked document.</a:t>
+            </a:r>
+          </a:p>
+          <a:p>
+            <a:pPr lvl="2"/>
+            <a:r>
+              <a:rPr lang="en-US" sz="2000" dirty="0" err="1"/>
+              <a:t>href</a:t>
+            </a:r>
+            <a:r>
+              <a:rPr lang="en-US" sz="2000" dirty="0"/>
+              <a:t>=</a:t>
+            </a:r>
+            <a:r>
+              <a:rPr lang="en-US" sz="2000" dirty="0">
+                <a:hlinkClick r:id="rId2"/>
+              </a:rPr>
+              <a:t>“www.example.pe</a:t>
+            </a:r>
+            <a:r>
+              <a:rPr lang="en-US" sz="2000" dirty="0"/>
+              <a:t>” -  Specifies the URL of the page the link goes to.</a:t>
+            </a:r>
+          </a:p>
+          <a:p>
+            <a:pPr lvl="2"/>
+            <a:r>
+              <a:rPr lang="en-US" sz="2000" dirty="0" err="1"/>
+              <a:t>rel</a:t>
+            </a:r>
+            <a:r>
+              <a:rPr lang="en-US" sz="2000" dirty="0"/>
+              <a:t>=“bookmark” - Specifies the relationship between the current document and the linked document</a:t>
+            </a:r>
+          </a:p>
+          <a:p>
+            <a:pPr lvl="1"/>
+            <a:r>
+              <a:rPr lang="en-US" sz="2800" dirty="0" err="1"/>
+              <a:t>Img</a:t>
+            </a:r>
+            <a:r>
+              <a:rPr lang="en-US" sz="2800" dirty="0"/>
+              <a:t> &lt;</a:t>
+            </a:r>
+            <a:r>
+              <a:rPr lang="en-US" sz="2800" dirty="0" err="1"/>
+              <a:t>img</a:t>
+            </a:r>
+            <a:r>
+              <a:rPr lang="en-US" sz="2800" dirty="0"/>
+              <a:t>&gt;&lt;/</a:t>
+            </a:r>
+            <a:r>
+              <a:rPr lang="en-US" sz="2800" dirty="0" err="1"/>
+              <a:t>img</a:t>
+            </a:r>
+            <a:r>
+              <a:rPr lang="en-US" sz="2800" dirty="0"/>
+              <a:t>&gt;</a:t>
+            </a:r>
+          </a:p>
+          <a:p>
+            <a:pPr lvl="2"/>
+            <a:r>
+              <a:rPr lang="en-US" sz="2000" dirty="0" err="1"/>
               <a:t>Src</a:t>
             </a:r>
             <a:r>
-              <a:rPr lang="en-US" sz="2200" dirty="0"/>
+              <a:rPr lang="en-US" sz="2000" dirty="0"/>
               <a:t> </a:t>
             </a:r>
             <a:r>
-              <a:rPr lang="en-US" sz="2200" dirty="0" err="1"/>
+              <a:rPr lang="en-US" sz="2000" dirty="0" err="1"/>
               <a:t>src</a:t>
             </a:r>
             <a:r>
-              <a:rPr lang="en-US" sz="2200" dirty="0"/>
-              <a:t>=“../images/example.png”</a:t>
+              <a:rPr lang="en-US" sz="2000" dirty="0"/>
+              <a:t>=“../images/example.png” - Specifies the URL of an image</a:t>
+            </a:r>
+          </a:p>
+          <a:p>
+            <a:pPr lvl="2"/>
+            <a:r>
+              <a:rPr lang="en-US" sz="2000" dirty="0"/>
+              <a:t>alt=“example text here” - Specifies an alternate text for an image</a:t>
+            </a:r>
+          </a:p>
+          <a:p>
+            <a:pPr lvl="2"/>
+            <a:r>
+              <a:rPr lang="en-US" sz="2000" dirty="0"/>
+              <a:t>height=“100” - Specifies the height of an image in pixels</a:t>
+            </a:r>
+          </a:p>
+          <a:p>
+            <a:pPr lvl="2"/>
+            <a:r>
+              <a:rPr lang="en-US" sz="2000" dirty="0"/>
+              <a:t>width=“100” - Specifies the width of an image in pixels</a:t>
             </a:r>
           </a:p>
           <a:p>
             <a:pPr lvl="1"/>
-            <a:r>
-              <a:rPr lang="en-US" sz="2200" dirty="0"/>
-              <a:t>Width width=“100px”</a:t>
-            </a:r>
+            <a:endParaRPr lang="en-US" dirty="0" smtClean="0"/>
           </a:p>
           <a:p>
             <a:pPr lvl="1"/>
-            <a:r>
-              <a:rPr lang="en-US" sz="2200" dirty="0"/>
-              <a:t>Height height=“100px”</a:t>
-            </a:r>
-            <a:endParaRPr lang="en-US" sz="2200" dirty="0"/>
+            <a:endParaRPr lang="en-US" dirty="0" smtClean="0"/>
+          </a:p>
+          <a:p>
+            <a:endParaRPr lang="en-US" dirty="0"/>
+          </a:p>
+        </p:txBody>
+      </p:sp>
+    </p:spTree>
+    <p:extLst>
+      <p:ext uri="{BB962C8B-B14F-4D97-AF65-F5344CB8AC3E}">
+        <p14:creationId xmlns:p14="http://schemas.microsoft.com/office/powerpoint/2010/main" val="2220027171"/>
+      </p:ext>
+    </p:extLst>
+  </p:cSld>
+  <p:clrMapOvr>
+    <a:masterClrMapping/>
+  </p:clrMapOvr>
+</p:sld>
+</file>
+
+<file path=ppt/slides/slide8.xml><?xml version="1.0" encoding="utf-8"?>
+<p:sld xmlns:a="http://schemas.openxmlformats.org/drawingml/2006/main" xmlns:r="http://schemas.openxmlformats.org/officeDocument/2006/relationships" xmlns:p="http://schemas.openxmlformats.org/presentationml/2006/main">
+  <p:cSld>
+    <p:spTree>
+      <p:nvGrpSpPr>
+        <p:cNvPr id="1" name=""/>
+        <p:cNvGrpSpPr/>
+        <p:nvPr/>
+      </p:nvGrpSpPr>
+      <p:grpSpPr>
+        <a:xfrm>
+          <a:off x="0" y="0"/>
+          <a:ext cx="0" cy="0"/>
+          <a:chOff x="0" y="0"/>
+          <a:chExt cx="0" cy="0"/>
+        </a:xfrm>
+      </p:grpSpPr>
+      <p:sp>
+        <p:nvSpPr>
+          <p:cNvPr id="2" name="Title 1"/>
+          <p:cNvSpPr>
+            <a:spLocks noGrp="1"/>
+          </p:cNvSpPr>
+          <p:nvPr>
+            <p:ph type="title"/>
+          </p:nvPr>
+        </p:nvSpPr>
+        <p:spPr/>
+        <p:txBody>
+          <a:bodyPr/>
+          <a:lstStyle/>
+          <a:p>
+            <a:endParaRPr lang="en-US" dirty="0"/>
+          </a:p>
+        </p:txBody>
+      </p:sp>
+      <p:sp>
+        <p:nvSpPr>
+          <p:cNvPr id="3" name="Content Placeholder 2"/>
+          <p:cNvSpPr>
+            <a:spLocks noGrp="1"/>
+          </p:cNvSpPr>
+          <p:nvPr>
+            <p:ph idx="1"/>
+          </p:nvPr>
+        </p:nvSpPr>
+        <p:spPr/>
+        <p:txBody>
+          <a:bodyPr/>
+          <a:lstStyle/>
+          <a:p>
+            <a:pPr lvl="1"/>
+            <a:r>
+              <a:rPr lang="en-US" sz="4000" dirty="0"/>
+              <a:t>Unordered List &lt;</a:t>
+            </a:r>
+            <a:r>
+              <a:rPr lang="en-US" sz="4000" dirty="0" err="1"/>
+              <a:t>ul</a:t>
+            </a:r>
+            <a:r>
+              <a:rPr lang="en-US" sz="4000" dirty="0"/>
+              <a:t>&gt;&lt;/</a:t>
+            </a:r>
+            <a:r>
+              <a:rPr lang="en-US" sz="4000" dirty="0" err="1"/>
+              <a:t>ul</a:t>
+            </a:r>
+            <a:r>
+              <a:rPr lang="en-US" sz="4000" dirty="0"/>
+              <a:t>&gt; - an unordered html list</a:t>
+            </a:r>
+          </a:p>
+          <a:p>
+            <a:pPr lvl="1"/>
+            <a:r>
+              <a:rPr lang="en-US" sz="4000" dirty="0"/>
+              <a:t>Ordered List &lt;</a:t>
+            </a:r>
+            <a:r>
+              <a:rPr lang="en-US" sz="4000" dirty="0" err="1"/>
+              <a:t>ol</a:t>
+            </a:r>
+            <a:r>
+              <a:rPr lang="en-US" sz="4000" dirty="0"/>
+              <a:t>&gt;&lt;/</a:t>
+            </a:r>
+            <a:r>
+              <a:rPr lang="en-US" sz="4000" dirty="0" err="1"/>
+              <a:t>ol</a:t>
+            </a:r>
+            <a:r>
+              <a:rPr lang="en-US" sz="4000" dirty="0"/>
+              <a:t>&gt; - an ordered html list</a:t>
+            </a:r>
+          </a:p>
+          <a:p>
+            <a:pPr lvl="1"/>
+            <a:r>
+              <a:rPr lang="en-US" sz="4000" dirty="0"/>
+              <a:t>List &lt;li&gt;&lt;/li&gt; - used in &lt;</a:t>
+            </a:r>
+            <a:r>
+              <a:rPr lang="en-US" sz="4000" dirty="0" err="1"/>
+              <a:t>ol</a:t>
+            </a:r>
+            <a:r>
+              <a:rPr lang="en-US" sz="4000" dirty="0"/>
+              <a:t>&gt; and &lt;</a:t>
+            </a:r>
+            <a:r>
+              <a:rPr lang="en-US" sz="4000" dirty="0" err="1"/>
+              <a:t>ul</a:t>
+            </a:r>
+            <a:r>
+              <a:rPr lang="en-US" sz="4000" dirty="0"/>
+              <a:t>&gt; to denote a list item</a:t>
+            </a:r>
+          </a:p>
+          <a:p>
+            <a:pPr lvl="2"/>
+            <a:r>
+              <a:rPr lang="en-US" sz="2800" dirty="0"/>
+              <a:t>Specifies the value of a list item. The following list items will increment from that number (only for &lt;</a:t>
+            </a:r>
+            <a:r>
+              <a:rPr lang="en-US" sz="2800" dirty="0" err="1"/>
+              <a:t>ol</a:t>
+            </a:r>
+            <a:r>
+              <a:rPr lang="en-US" sz="2800" dirty="0"/>
+              <a:t>&gt; lists)</a:t>
+            </a:r>
+            <a:endParaRPr lang="en-US" sz="2800" dirty="0"/>
           </a:p>
         </p:txBody>
       </p:sp>

--- a/Class 2/Introduction to Web Development_Lesson2.pptx
+++ b/Class 2/Introduction to Web Development_Lesson2.pptx
@@ -9,9 +9,12 @@
     <p:sldId id="257" r:id="rId3"/>
     <p:sldId id="263" r:id="rId4"/>
     <p:sldId id="259" r:id="rId5"/>
-    <p:sldId id="260" r:id="rId6"/>
-    <p:sldId id="261" r:id="rId7"/>
-    <p:sldId id="262" r:id="rId8"/>
+    <p:sldId id="264" r:id="rId6"/>
+    <p:sldId id="260" r:id="rId7"/>
+    <p:sldId id="261" r:id="rId8"/>
+    <p:sldId id="262" r:id="rId9"/>
+    <p:sldId id="265" r:id="rId10"/>
+    <p:sldId id="266" r:id="rId11"/>
   </p:sldIdLst>
   <p:sldSz cx="12192000" cy="6858000"/>
   <p:notesSz cx="6858000" cy="9144000"/>
@@ -344,7 +347,7 @@
           <a:p>
             <a:fld id="{4BDF68E2-58F2-4D09-BE8B-E3BD06533059}" type="datetimeFigureOut">
               <a:rPr lang="en-US" dirty="0"/>
-              <a:t>11/18/2014</a:t>
+              <a:t>1/28/2015</a:t>
             </a:fld>
             <a:endParaRPr lang="en-US" dirty="0"/>
           </a:p>
@@ -547,7 +550,7 @@
           <a:p>
             <a:fld id="{2E2D6473-DF6D-4702-B328-E0DD40540A4E}" type="datetimeFigureOut">
               <a:rPr lang="en-US" dirty="0"/>
-              <a:t>11/18/2014</a:t>
+              <a:t>1/28/2015</a:t>
             </a:fld>
             <a:endParaRPr lang="en-US" dirty="0"/>
           </a:p>
@@ -798,7 +801,7 @@
           <a:p>
             <a:fld id="{E26F7E3A-B166-407D-9866-32884E7D5B37}" type="datetimeFigureOut">
               <a:rPr lang="en-US" dirty="0"/>
-              <a:t>11/18/2014</a:t>
+              <a:t>1/28/2015</a:t>
             </a:fld>
             <a:endParaRPr lang="en-US" dirty="0"/>
           </a:p>
@@ -967,7 +970,7 @@
           <a:p>
             <a:fld id="{528FC5F6-F338-4AE4-BB23-26385BCFC423}" type="datetimeFigureOut">
               <a:rPr lang="en-US" dirty="0"/>
-              <a:t>11/18/2014</a:t>
+              <a:t>1/28/2015</a:t>
             </a:fld>
             <a:endParaRPr lang="en-US" dirty="0"/>
           </a:p>
@@ -1305,7 +1308,7 @@
           <a:p>
             <a:fld id="{20EBB0C4-6273-4C6E-B9BD-2EDC30F1CD52}" type="datetimeFigureOut">
               <a:rPr lang="en-US" dirty="0"/>
-              <a:t>11/18/2014</a:t>
+              <a:t>1/28/2015</a:t>
             </a:fld>
             <a:endParaRPr lang="en-US" dirty="0"/>
           </a:p>
@@ -1575,7 +1578,7 @@
           <a:p>
             <a:fld id="{19AB4D41-86C1-4908-B66A-0B50CEB3BF29}" type="datetimeFigureOut">
               <a:rPr lang="en-US" dirty="0"/>
-              <a:t>11/18/2014</a:t>
+              <a:t>1/28/2015</a:t>
             </a:fld>
             <a:endParaRPr lang="en-US" dirty="0"/>
           </a:p>
@@ -1949,7 +1952,7 @@
           <a:p>
             <a:fld id="{E6426E2C-56C1-4E0D-A793-0088A7FDD37E}" type="datetimeFigureOut">
               <a:rPr lang="en-US" dirty="0"/>
-              <a:t>11/18/2014</a:t>
+              <a:t>1/28/2015</a:t>
             </a:fld>
             <a:endParaRPr lang="en-US" dirty="0"/>
           </a:p>
@@ -2062,7 +2065,7 @@
           <a:p>
             <a:fld id="{C8C39B41-D8B5-4052-B551-9B5525EAA8B6}" type="datetimeFigureOut">
               <a:rPr lang="en-US" dirty="0"/>
-              <a:t>11/18/2014</a:t>
+              <a:t>1/28/2015</a:t>
             </a:fld>
             <a:endParaRPr lang="en-US" dirty="0"/>
           </a:p>
@@ -2228,7 +2231,7 @@
           <a:p>
             <a:fld id="{4D94136C-8742-45B2-AF27-D93DF72833A9}" type="datetimeFigureOut">
               <a:rPr lang="en-US" dirty="0"/>
-              <a:t>11/18/2014</a:t>
+              <a:t>1/28/2015</a:t>
             </a:fld>
             <a:endParaRPr lang="en-US" dirty="0"/>
           </a:p>
@@ -2578,7 +2581,7 @@
           <a:p>
             <a:fld id="{32ABBEA6-7C60-4B02-AE87-00D78D8422AF}" type="datetimeFigureOut">
               <a:rPr lang="en-US" dirty="0"/>
-              <a:t>11/18/2014</a:t>
+              <a:t>1/28/2015</a:t>
             </a:fld>
             <a:endParaRPr lang="en-US" dirty="0"/>
           </a:p>
@@ -2956,7 +2959,7 @@
           <a:p>
             <a:fld id="{C9CAD897-D46E-4AD2-BD9B-49DD3E640873}" type="datetimeFigureOut">
               <a:rPr lang="en-US" dirty="0"/>
-              <a:t>11/18/2014</a:t>
+              <a:t>1/28/2015</a:t>
             </a:fld>
             <a:endParaRPr lang="en-US" dirty="0"/>
           </a:p>
@@ -3238,7 +3241,7 @@
           <a:p>
             <a:fld id="{98624D31-43A5-475A-80CF-332C9F6DCF35}" type="datetimeFigureOut">
               <a:rPr lang="en-US" dirty="0"/>
-              <a:t>11/18/2014</a:t>
+              <a:t>1/28/2015</a:t>
             </a:fld>
             <a:endParaRPr lang="en-US" dirty="0"/>
           </a:p>
@@ -3822,6 +3825,155 @@
 </p:sld>
 </file>
 
+<file path=ppt/slides/slide10.xml><?xml version="1.0" encoding="utf-8"?>
+<p:sld xmlns:a="http://schemas.openxmlformats.org/drawingml/2006/main" xmlns:r="http://schemas.openxmlformats.org/officeDocument/2006/relationships" xmlns:p="http://schemas.openxmlformats.org/presentationml/2006/main">
+  <p:cSld>
+    <p:spTree>
+      <p:nvGrpSpPr>
+        <p:cNvPr id="1" name=""/>
+        <p:cNvGrpSpPr/>
+        <p:nvPr/>
+      </p:nvGrpSpPr>
+      <p:grpSpPr>
+        <a:xfrm>
+          <a:off x="0" y="0"/>
+          <a:ext cx="0" cy="0"/>
+          <a:chOff x="0" y="0"/>
+          <a:chExt cx="0" cy="0"/>
+        </a:xfrm>
+      </p:grpSpPr>
+      <p:sp>
+        <p:nvSpPr>
+          <p:cNvPr id="2" name="Title 1"/>
+          <p:cNvSpPr>
+            <a:spLocks noGrp="1"/>
+          </p:cNvSpPr>
+          <p:nvPr>
+            <p:ph type="title"/>
+          </p:nvPr>
+        </p:nvSpPr>
+        <p:spPr/>
+        <p:txBody>
+          <a:bodyPr/>
+          <a:lstStyle/>
+          <a:p>
+            <a:r>
+              <a:rPr lang="en-US" dirty="0" smtClean="0"/>
+              <a:t>Favicon and </a:t>
+            </a:r>
+            <a:r>
+              <a:rPr lang="en-US" dirty="0" err="1" smtClean="0"/>
+              <a:t>MetaTags</a:t>
+            </a:r>
+            <a:endParaRPr lang="en-US" dirty="0"/>
+          </a:p>
+        </p:txBody>
+      </p:sp>
+      <p:sp>
+        <p:nvSpPr>
+          <p:cNvPr id="3" name="Content Placeholder 2"/>
+          <p:cNvSpPr>
+            <a:spLocks noGrp="1"/>
+          </p:cNvSpPr>
+          <p:nvPr>
+            <p:ph idx="1"/>
+          </p:nvPr>
+        </p:nvSpPr>
+        <p:spPr/>
+        <p:txBody>
+          <a:bodyPr/>
+          <a:lstStyle/>
+          <a:p>
+            <a:r>
+              <a:rPr lang="en-US" dirty="0" smtClean="0"/>
+              <a:t>Favorite Icons are used to display an image on your web browsers tab, and in your favorites menu.</a:t>
+            </a:r>
+          </a:p>
+          <a:p>
+            <a:r>
+              <a:rPr lang="en-US" dirty="0" smtClean="0"/>
+              <a:t>Favicon </a:t>
+            </a:r>
+            <a:r>
+              <a:rPr lang="en-US" dirty="0"/>
+              <a:t>generator - </a:t>
+            </a:r>
+            <a:r>
+              <a:rPr lang="en-US" dirty="0">
+                <a:hlinkClick r:id="rId2"/>
+              </a:rPr>
+              <a:t>http://favicon-generator.org</a:t>
+            </a:r>
+            <a:r>
+              <a:rPr lang="en-US" dirty="0" smtClean="0">
+                <a:hlinkClick r:id="rId2"/>
+              </a:rPr>
+              <a:t>/</a:t>
+            </a:r>
+            <a:endParaRPr lang="en-US" dirty="0" smtClean="0"/>
+          </a:p>
+          <a:p>
+            <a:r>
+              <a:rPr lang="en-US" dirty="0" err="1" smtClean="0"/>
+              <a:t>Metatags</a:t>
+            </a:r>
+            <a:r>
+              <a:rPr lang="en-US" dirty="0" smtClean="0"/>
+              <a:t> provide information about your webpage that doesn’t get rendered, or that isn’t visible on the page.</a:t>
+            </a:r>
+          </a:p>
+          <a:p>
+            <a:r>
+              <a:rPr lang="en-US" dirty="0" err="1" smtClean="0"/>
+              <a:t>Metatag</a:t>
+            </a:r>
+            <a:r>
+              <a:rPr lang="en-US" dirty="0" smtClean="0"/>
+              <a:t> generator </a:t>
+            </a:r>
+            <a:r>
+              <a:rPr lang="en-US" dirty="0"/>
+              <a:t>- </a:t>
+            </a:r>
+            <a:r>
+              <a:rPr lang="en-US" dirty="0">
+                <a:hlinkClick r:id="rId3"/>
+              </a:rPr>
+              <a:t>http://</a:t>
+            </a:r>
+            <a:r>
+              <a:rPr lang="en-US" dirty="0" smtClean="0">
+                <a:hlinkClick r:id="rId3"/>
+              </a:rPr>
+              <a:t>www.submitexpress.com/meta-tags-generator.html</a:t>
+            </a:r>
+            <a:r>
+              <a:rPr lang="en-US" dirty="0" smtClean="0"/>
+              <a:t> </a:t>
+            </a:r>
+          </a:p>
+          <a:p>
+            <a:r>
+              <a:rPr lang="en-US" dirty="0" smtClean="0"/>
+              <a:t>There are many other sites that perform these functions for you.  These are just examples.</a:t>
+            </a:r>
+            <a:endParaRPr lang="en-US" dirty="0"/>
+          </a:p>
+        </p:txBody>
+      </p:sp>
+    </p:spTree>
+    <p:extLst>
+      <p:ext uri="{BB962C8B-B14F-4D97-AF65-F5344CB8AC3E}">
+        <p14:creationId xmlns:p14="http://schemas.microsoft.com/office/powerpoint/2010/main" val="3986077554"/>
+      </p:ext>
+    </p:extLst>
+  </p:cSld>
+  <p:clrMapOvr>
+    <a:masterClrMapping/>
+  </p:clrMapOvr>
+</p:sld>
+</file>
+
 <file path=ppt/slides/slide2.xml><?xml version="1.0" encoding="utf-8"?>
 <p:sld xmlns:a="http://schemas.openxmlformats.org/drawingml/2006/main" xmlns:r="http://schemas.openxmlformats.org/officeDocument/2006/relationships" xmlns:p="http://schemas.openxmlformats.org/presentationml/2006/main">
   <p:cSld>
@@ -4057,7 +4209,9 @@
         </p:nvSpPr>
         <p:spPr/>
         <p:txBody>
-          <a:bodyPr/>
+          <a:bodyPr>
+            <a:normAutofit fontScale="85000" lnSpcReduction="20000"/>
+          </a:bodyPr>
           <a:lstStyle/>
           <a:p>
             <a:r>
@@ -4116,6 +4270,25 @@
                 <a:hlinkClick r:id="rId5"/>
               </a:rPr>
               <a:t>/</a:t>
+            </a:r>
+            <a:endParaRPr lang="en-US" sz="4800" dirty="0" smtClean="0"/>
+          </a:p>
+          <a:p>
+            <a:r>
+              <a:rPr lang="en-US" sz="4800" dirty="0">
+                <a:hlinkClick r:id="rId6"/>
+              </a:rPr>
+              <a:t>http://</a:t>
+            </a:r>
+            <a:r>
+              <a:rPr lang="en-US" sz="4800" dirty="0" smtClean="0">
+                <a:hlinkClick r:id="rId6"/>
+              </a:rPr>
+              <a:t>www.dofactory.com/reference/visual-studio-shortcuts</a:t>
+            </a:r>
+            <a:r>
+              <a:rPr lang="en-US" sz="4800" dirty="0" smtClean="0"/>
+              <a:t>  </a:t>
             </a:r>
             <a:endParaRPr lang="en-US" sz="4800" dirty="0" smtClean="0"/>
           </a:p>
@@ -4196,130 +4369,121 @@
         <p:spPr/>
         <p:txBody>
           <a:bodyPr>
-            <a:normAutofit fontScale="92500" lnSpcReduction="10000"/>
+            <a:normAutofit/>
           </a:bodyPr>
           <a:lstStyle/>
           <a:p>
             <a:r>
+              <a:rPr lang="en-US" sz="2800" dirty="0"/>
+              <a:t>Html 5 structure tags</a:t>
+            </a:r>
+          </a:p>
+          <a:p>
+            <a:pPr lvl="1"/>
+            <a:r>
               <a:rPr lang="en-US" sz="2400" dirty="0"/>
-              <a:t>Html 5 structure tags</a:t>
+              <a:t>Section &lt;section&gt;&lt;/section</a:t>
+            </a:r>
+            <a:r>
+              <a:rPr lang="en-US" sz="2400" dirty="0" smtClean="0"/>
+              <a:t>&gt; - </a:t>
+            </a:r>
+            <a:r>
+              <a:rPr lang="en-US" sz="2400" dirty="0"/>
+              <a:t>defines sections in a document, such as chapters, headers, footers, or any other sections of the document.</a:t>
             </a:r>
           </a:p>
           <a:p>
             <a:pPr lvl="1"/>
             <a:r>
-              <a:rPr lang="en-US" sz="2000" dirty="0"/>
-              <a:t>Section &lt;section&gt;&lt;/section&gt;</a:t>
+              <a:rPr lang="en-US" sz="2400" dirty="0"/>
+              <a:t>Header &lt;header&gt;&lt;/header</a:t>
+            </a:r>
+            <a:r>
+              <a:rPr lang="en-US" sz="2400" dirty="0" smtClean="0"/>
+              <a:t>&gt; - </a:t>
+            </a:r>
+            <a:r>
+              <a:rPr lang="en-US" sz="2400" dirty="0"/>
+              <a:t>represents a container for introductory content or a set of navigational links.</a:t>
             </a:r>
           </a:p>
           <a:p>
             <a:pPr lvl="1"/>
             <a:r>
-              <a:rPr lang="en-US" sz="2000" dirty="0"/>
-              <a:t>Header &lt;header&gt;&lt;/header&gt;</a:t>
+              <a:rPr lang="en-US" sz="2400" dirty="0"/>
+              <a:t>Article &lt;article&gt;&lt;/article</a:t>
+            </a:r>
+            <a:r>
+              <a:rPr lang="en-US" sz="2400" dirty="0" smtClean="0"/>
+              <a:t>&gt; - </a:t>
+            </a:r>
+            <a:r>
+              <a:rPr lang="en-US" sz="2400" dirty="0"/>
+              <a:t>specifies independent, self-contained content.</a:t>
             </a:r>
           </a:p>
           <a:p>
             <a:pPr lvl="1"/>
             <a:r>
-              <a:rPr lang="en-US" sz="2000" dirty="0"/>
-              <a:t>Article &lt;article&gt;&lt;/article&gt;</a:t>
+              <a:rPr lang="en-US" sz="2400" dirty="0" err="1"/>
+              <a:t>Nav</a:t>
+            </a:r>
+            <a:r>
+              <a:rPr lang="en-US" sz="2400" dirty="0"/>
+              <a:t> &lt;</a:t>
+            </a:r>
+            <a:r>
+              <a:rPr lang="en-US" sz="2400" dirty="0" err="1"/>
+              <a:t>nav</a:t>
+            </a:r>
+            <a:r>
+              <a:rPr lang="en-US" sz="2400" dirty="0"/>
+              <a:t>&gt;&lt;/</a:t>
+            </a:r>
+            <a:r>
+              <a:rPr lang="en-US" sz="2400" dirty="0" err="1"/>
+              <a:t>nav</a:t>
+            </a:r>
+            <a:r>
+              <a:rPr lang="en-US" sz="2400" dirty="0" smtClean="0"/>
+              <a:t>&gt; - </a:t>
+            </a:r>
+            <a:r>
+              <a:rPr lang="en-US" sz="2400" dirty="0"/>
+              <a:t>defines a set of navigation links.</a:t>
             </a:r>
           </a:p>
           <a:p>
             <a:pPr lvl="1"/>
             <a:r>
-              <a:rPr lang="en-US" sz="2000" dirty="0" err="1"/>
-              <a:t>Nav</a:t>
-            </a:r>
-            <a:r>
-              <a:rPr lang="en-US" sz="2000" dirty="0"/>
-              <a:t> &lt;</a:t>
-            </a:r>
-            <a:r>
-              <a:rPr lang="en-US" sz="2000" dirty="0" err="1"/>
-              <a:t>nav</a:t>
-            </a:r>
-            <a:r>
-              <a:rPr lang="en-US" sz="2000" dirty="0"/>
-              <a:t>&gt;&lt;/</a:t>
-            </a:r>
-            <a:r>
-              <a:rPr lang="en-US" sz="2000" dirty="0" err="1"/>
-              <a:t>nav</a:t>
-            </a:r>
-            <a:r>
-              <a:rPr lang="en-US" sz="2000" dirty="0"/>
-              <a:t>&gt;</a:t>
+              <a:rPr lang="en-US" sz="2400" dirty="0"/>
+              <a:t>Footer &lt;footer&gt;&lt;/footer</a:t>
+            </a:r>
+            <a:r>
+              <a:rPr lang="en-US" sz="2400" dirty="0" smtClean="0"/>
+              <a:t>&gt; - </a:t>
+            </a:r>
+            <a:r>
+              <a:rPr lang="en-US" sz="2400" dirty="0"/>
+              <a:t>defines a footer for a document or section.</a:t>
             </a:r>
           </a:p>
           <a:p>
             <a:pPr lvl="1"/>
             <a:r>
-              <a:rPr lang="en-US" sz="2000" dirty="0"/>
-              <a:t>Footer &lt;footer&gt;&lt;/footer&gt;</a:t>
-            </a:r>
-          </a:p>
-          <a:p>
-            <a:pPr lvl="1"/>
-            <a:r>
-              <a:rPr lang="en-US" sz="2000" dirty="0"/>
+              <a:rPr lang="en-US" sz="2400" dirty="0"/>
               <a:t>Aside &lt;aside&gt;&lt;/aside</a:t>
             </a:r>
             <a:r>
-              <a:rPr lang="en-US" sz="2000" dirty="0" smtClean="0"/>
-              <a:t>&gt;</a:t>
-            </a:r>
-          </a:p>
-          <a:p>
-            <a:r>
               <a:rPr lang="en-US" sz="2400" dirty="0" smtClean="0"/>
-              <a:t>Html Block Elements</a:t>
-            </a:r>
-          </a:p>
-          <a:p>
-            <a:pPr lvl="1"/>
-            <a:r>
-              <a:rPr lang="en-US" sz="2000" dirty="0" smtClean="0"/>
-              <a:t>Paragraph &lt;p&gt;&lt;/p&gt;</a:t>
-            </a:r>
-          </a:p>
-          <a:p>
-            <a:pPr lvl="1"/>
-            <a:r>
-              <a:rPr lang="en-US" sz="2000" dirty="0" smtClean="0"/>
-              <a:t>H &lt;h?&gt;&lt;/h?&gt;</a:t>
-            </a:r>
-          </a:p>
-          <a:p>
-            <a:pPr lvl="1"/>
-            <a:r>
-              <a:rPr lang="en-US" sz="2000" dirty="0" smtClean="0"/>
-              <a:t>Line breaks &lt;</a:t>
-            </a:r>
-            <a:r>
-              <a:rPr lang="en-US" sz="2000" dirty="0" err="1" smtClean="0"/>
-              <a:t>br</a:t>
-            </a:r>
-            <a:r>
-              <a:rPr lang="en-US" sz="2000" dirty="0" smtClean="0"/>
-              <a:t> /&gt;</a:t>
-            </a:r>
-          </a:p>
-          <a:p>
-            <a:pPr lvl="1"/>
-            <a:r>
-              <a:rPr lang="en-US" sz="2000" dirty="0" smtClean="0"/>
-              <a:t>Horizontal break &lt;</a:t>
-            </a:r>
-            <a:r>
-              <a:rPr lang="en-US" sz="2000" dirty="0" err="1" smtClean="0"/>
-              <a:t>hr</a:t>
-            </a:r>
-            <a:r>
-              <a:rPr lang="en-US" sz="2000" dirty="0" smtClean="0"/>
-              <a:t> /&gt;</a:t>
-            </a:r>
+              <a:t>&gt; - </a:t>
+            </a:r>
+            <a:r>
+              <a:rPr lang="en-US" sz="2400" dirty="0"/>
+              <a:t>defines some content aside from the content it is placed in.</a:t>
+            </a:r>
+            <a:endParaRPr lang="en-US" sz="2400" dirty="0" smtClean="0"/>
           </a:p>
           <a:p>
             <a:pPr lvl="1"/>
@@ -4373,10 +4537,9 @@
           <a:lstStyle/>
           <a:p>
             <a:r>
-              <a:rPr lang="en-US" dirty="0" smtClean="0"/>
+              <a:rPr lang="en-US" dirty="0"/>
               <a:t>Recap of Lesson 1 cont.</a:t>
             </a:r>
-            <a:endParaRPr lang="en-US" dirty="0"/>
           </a:p>
         </p:txBody>
       </p:sp>
@@ -4392,99 +4555,113 @@
         </p:nvSpPr>
         <p:spPr/>
         <p:txBody>
-          <a:bodyPr>
-            <a:normAutofit lnSpcReduction="10000"/>
-          </a:bodyPr>
-          <a:lstStyle/>
-          <a:p>
+          <a:bodyPr/>
+          <a:lstStyle/>
+          <a:p>
+            <a:r>
+              <a:rPr lang="en-US" sz="4400" dirty="0"/>
+              <a:t>Html Block Elements</a:t>
+            </a:r>
+          </a:p>
+          <a:p>
+            <a:pPr lvl="1"/>
+            <a:r>
+              <a:rPr lang="en-US" sz="3200" dirty="0"/>
+              <a:t>Paragraph &lt;p&gt;&lt;/p</a:t>
+            </a:r>
             <a:r>
               <a:rPr lang="en-US" sz="3200" dirty="0" smtClean="0"/>
-              <a:t>Inline Elements</a:t>
+              <a:t>&gt; - </a:t>
+            </a:r>
+            <a:r>
+              <a:rPr lang="en-US" sz="3200" dirty="0"/>
+              <a:t>defines a paragraph.</a:t>
             </a:r>
           </a:p>
           <a:p>
             <a:pPr lvl="1"/>
             <a:r>
-              <a:rPr lang="en-US" sz="2800" dirty="0" err="1" smtClean="0"/>
-              <a:t>Em</a:t>
-            </a:r>
-            <a:r>
-              <a:rPr lang="en-US" sz="2800" dirty="0" smtClean="0"/>
-              <a:t> &lt;</a:t>
-            </a:r>
-            <a:r>
-              <a:rPr lang="en-US" sz="2800" dirty="0" err="1" smtClean="0"/>
-              <a:t>em</a:t>
-            </a:r>
-            <a:r>
-              <a:rPr lang="en-US" sz="2800" dirty="0" smtClean="0"/>
-              <a:t>&gt;&lt;/</a:t>
-            </a:r>
-            <a:r>
-              <a:rPr lang="en-US" sz="2800" dirty="0" err="1" smtClean="0"/>
-              <a:t>em</a:t>
-            </a:r>
-            <a:r>
-              <a:rPr lang="en-US" sz="2800" dirty="0" smtClean="0"/>
-              <a:t>&gt; - everything within has italics applied</a:t>
+              <a:rPr lang="en-US" sz="3200" dirty="0"/>
+              <a:t>H &lt;</a:t>
+            </a:r>
+            <a:r>
+              <a:rPr lang="en-US" sz="3200" dirty="0" smtClean="0"/>
+              <a:t>h?&gt;&lt;/</a:t>
+            </a:r>
+            <a:r>
+              <a:rPr lang="en-US" sz="3200" dirty="0"/>
+              <a:t>h</a:t>
+            </a:r>
+            <a:r>
+              <a:rPr lang="en-US" sz="3200" dirty="0" smtClean="0"/>
+              <a:t>?&gt; - (&lt;h1&gt; to &lt;h6&gt; tags) - </a:t>
+            </a:r>
+            <a:r>
+              <a:rPr lang="en-US" sz="3200" dirty="0"/>
+              <a:t>are used to define HTML headings.</a:t>
             </a:r>
           </a:p>
           <a:p>
             <a:pPr lvl="1"/>
             <a:r>
-              <a:rPr lang="en-US" sz="2800" dirty="0" smtClean="0"/>
-              <a:t>Strong &lt;strong&gt;&lt;/strong&gt; - everything </a:t>
-            </a:r>
-            <a:r>
-              <a:rPr lang="en-US" sz="2800" dirty="0"/>
-              <a:t>within has </a:t>
-            </a:r>
-            <a:r>
-              <a:rPr lang="en-US" sz="2800" dirty="0" smtClean="0"/>
-              <a:t>bold applied</a:t>
+              <a:rPr lang="en-US" sz="3200" dirty="0"/>
+              <a:t>Line breaks &lt;</a:t>
+            </a:r>
+            <a:r>
+              <a:rPr lang="en-US" sz="3200" dirty="0" err="1"/>
+              <a:t>br</a:t>
+            </a:r>
+            <a:r>
+              <a:rPr lang="en-US" sz="3200" dirty="0"/>
+              <a:t> </a:t>
+            </a:r>
+            <a:r>
+              <a:rPr lang="en-US" sz="3200" dirty="0" smtClean="0"/>
+              <a:t>/&gt; - </a:t>
+            </a:r>
+            <a:r>
+              <a:rPr lang="en-US" sz="3200" dirty="0"/>
+              <a:t>inserts a single line break. </a:t>
             </a:r>
           </a:p>
           <a:p>
             <a:pPr lvl="1"/>
             <a:r>
-              <a:rPr lang="en-US" sz="2800" dirty="0" smtClean="0"/>
-              <a:t>Span &lt;span&gt;&lt;/span&gt; - everything within can have different styles applied</a:t>
-            </a:r>
-          </a:p>
-          <a:p>
-            <a:pPr lvl="1"/>
-            <a:endParaRPr lang="en-US" sz="2800" dirty="0"/>
-          </a:p>
-          <a:p>
+              <a:rPr lang="en-US" sz="3200" dirty="0"/>
+              <a:t>Horizontal break &lt;</a:t>
+            </a:r>
+            <a:r>
+              <a:rPr lang="en-US" sz="3200" dirty="0" err="1"/>
+              <a:t>hr</a:t>
+            </a:r>
+            <a:r>
+              <a:rPr lang="en-US" sz="3200" dirty="0"/>
+              <a:t> </a:t>
+            </a:r>
             <a:r>
               <a:rPr lang="en-US" sz="3200" dirty="0" smtClean="0"/>
-              <a:t>Element Attributes</a:t>
-            </a:r>
-          </a:p>
-          <a:p>
-            <a:pPr lvl="1"/>
-            <a:r>
-              <a:rPr lang="en-US" sz="2800" dirty="0" smtClean="0"/>
-              <a:t>Id id=“xxx”</a:t>
-            </a:r>
-          </a:p>
-          <a:p>
-            <a:pPr lvl="1"/>
-            <a:r>
-              <a:rPr lang="en-US" sz="2800" dirty="0" smtClean="0"/>
-              <a:t>Class class=“xxx”</a:t>
-            </a:r>
-          </a:p>
-          <a:p>
-            <a:pPr lvl="1"/>
-            <a:endParaRPr lang="en-US" dirty="0"/>
+              <a:t>/&gt; - </a:t>
+            </a:r>
+            <a:r>
+              <a:rPr lang="en-US" sz="3200" dirty="0"/>
+              <a:t>defines a thematic break in an HTML </a:t>
+            </a:r>
+            <a:r>
+              <a:rPr lang="en-US" sz="3200" dirty="0" smtClean="0"/>
+              <a:t>page</a:t>
+            </a:r>
+            <a:r>
+              <a:rPr lang="en-US" sz="2000" dirty="0" smtClean="0"/>
+              <a:t>. </a:t>
+            </a:r>
+            <a:endParaRPr lang="en-US" sz="2000" dirty="0"/>
           </a:p>
         </p:txBody>
       </p:sp>
     </p:spTree>
     <p:extLst>
       <p:ext uri="{BB962C8B-B14F-4D97-AF65-F5344CB8AC3E}">
-        <p14:creationId xmlns:p14="http://schemas.microsoft.com/office/powerpoint/2010/main" val="2533152119"/>
+        <p14:creationId xmlns:p14="http://schemas.microsoft.com/office/powerpoint/2010/main" val="2556772717"/>
       </p:ext>
     </p:extLst>
   </p:cSld>
@@ -4528,7 +4705,7 @@
           <a:p>
             <a:r>
               <a:rPr lang="en-US" dirty="0" smtClean="0"/>
-              <a:t>Lesson 2 – New Tags</a:t>
+              <a:t>Recap of Lesson 1 cont.</a:t>
             </a:r>
             <a:endParaRPr lang="en-US" dirty="0"/>
           </a:p>
@@ -4547,182 +4724,90 @@
         <p:spPr/>
         <p:txBody>
           <a:bodyPr>
-            <a:normAutofit fontScale="92500" lnSpcReduction="10000"/>
+            <a:normAutofit lnSpcReduction="10000"/>
           </a:bodyPr>
           <a:lstStyle/>
           <a:p>
             <a:r>
-              <a:rPr lang="en-US" sz="2600" dirty="0" smtClean="0"/>
-              <a:t>New HTML Elements</a:t>
+              <a:rPr lang="en-US" sz="3200" dirty="0" smtClean="0"/>
+              <a:t>Inline Elements</a:t>
             </a:r>
           </a:p>
           <a:p>
             <a:pPr lvl="1"/>
             <a:r>
-              <a:rPr lang="en-US" sz="2200" dirty="0" smtClean="0"/>
-              <a:t>Anchor &lt;a&gt;&lt;/a</a:t>
-            </a:r>
-            <a:r>
-              <a:rPr lang="en-US" sz="2200" dirty="0" smtClean="0"/>
-              <a:t>&gt;</a:t>
-            </a:r>
-          </a:p>
-          <a:p>
-            <a:pPr lvl="2"/>
-            <a:r>
-              <a:rPr lang="en-US" dirty="0" smtClean="0"/>
-              <a:t>Used to create links to different pages, or sections of current page.</a:t>
-            </a:r>
-            <a:endParaRPr lang="en-US" dirty="0" smtClean="0"/>
-          </a:p>
-          <a:p>
-            <a:pPr lvl="2"/>
-            <a:r>
-              <a:rPr lang="en-US" sz="1700" dirty="0"/>
-              <a:t>Target=“_blank</a:t>
-            </a:r>
-            <a:r>
-              <a:rPr lang="en-US" sz="1700" dirty="0" smtClean="0"/>
-              <a:t>”</a:t>
-            </a:r>
-          </a:p>
-          <a:p>
-            <a:pPr lvl="2"/>
-            <a:r>
-              <a:rPr lang="en-US" sz="1700" dirty="0" err="1" smtClean="0"/>
-              <a:t>href</a:t>
-            </a:r>
-            <a:r>
-              <a:rPr lang="en-US" sz="1700" dirty="0" smtClean="0"/>
-              <a:t>=“http://www.example.com”</a:t>
-            </a:r>
-            <a:endParaRPr lang="en-US" sz="1700" dirty="0" smtClean="0"/>
+              <a:rPr lang="en-US" sz="2800" dirty="0" err="1" smtClean="0"/>
+              <a:t>Em</a:t>
+            </a:r>
+            <a:r>
+              <a:rPr lang="en-US" sz="2800" dirty="0" smtClean="0"/>
+              <a:t> &lt;</a:t>
+            </a:r>
+            <a:r>
+              <a:rPr lang="en-US" sz="2800" dirty="0" err="1" smtClean="0"/>
+              <a:t>em</a:t>
+            </a:r>
+            <a:r>
+              <a:rPr lang="en-US" sz="2800" dirty="0" smtClean="0"/>
+              <a:t>&gt;&lt;/</a:t>
+            </a:r>
+            <a:r>
+              <a:rPr lang="en-US" sz="2800" dirty="0" err="1" smtClean="0"/>
+              <a:t>em</a:t>
+            </a:r>
+            <a:r>
+              <a:rPr lang="en-US" sz="2800" dirty="0" smtClean="0"/>
+              <a:t>&gt; - everything within has italics applied</a:t>
+            </a:r>
           </a:p>
           <a:p>
             <a:pPr lvl="1"/>
             <a:r>
-              <a:rPr lang="en-US" sz="2200" dirty="0" err="1" smtClean="0"/>
-              <a:t>Img</a:t>
-            </a:r>
-            <a:r>
-              <a:rPr lang="en-US" sz="2200" dirty="0" smtClean="0"/>
-              <a:t> &lt;</a:t>
-            </a:r>
-            <a:r>
-              <a:rPr lang="en-US" sz="2200" dirty="0" err="1" smtClean="0"/>
-              <a:t>img</a:t>
-            </a:r>
-            <a:r>
-              <a:rPr lang="en-US" sz="2200" dirty="0" smtClean="0"/>
-              <a:t>&gt;&lt;/</a:t>
-            </a:r>
-            <a:r>
-              <a:rPr lang="en-US" sz="2200" dirty="0" err="1" smtClean="0"/>
-              <a:t>img</a:t>
-            </a:r>
-            <a:r>
-              <a:rPr lang="en-US" sz="2200" dirty="0" smtClean="0"/>
-              <a:t>&gt;</a:t>
-            </a:r>
-          </a:p>
-          <a:p>
-            <a:pPr lvl="2"/>
-            <a:r>
-              <a:rPr lang="en-US" dirty="0" smtClean="0"/>
-              <a:t>Used to represent an image on a web page.</a:t>
-            </a:r>
-            <a:endParaRPr lang="en-US" dirty="0" smtClean="0"/>
+              <a:rPr lang="en-US" sz="2800" dirty="0" smtClean="0"/>
+              <a:t>Strong &lt;strong&gt;&lt;/strong&gt; - everything </a:t>
+            </a:r>
+            <a:r>
+              <a:rPr lang="en-US" sz="2800" dirty="0"/>
+              <a:t>within has </a:t>
+            </a:r>
+            <a:r>
+              <a:rPr lang="en-US" sz="2800" dirty="0" smtClean="0"/>
+              <a:t>bold applied</a:t>
+            </a:r>
           </a:p>
           <a:p>
             <a:pPr lvl="1"/>
             <a:r>
-              <a:rPr lang="en-US" sz="2200" dirty="0" smtClean="0"/>
-              <a:t>Unordered List &lt;</a:t>
-            </a:r>
-            <a:r>
-              <a:rPr lang="en-US" sz="2200" dirty="0" err="1" smtClean="0"/>
-              <a:t>ul</a:t>
-            </a:r>
-            <a:r>
-              <a:rPr lang="en-US" sz="2200" dirty="0" smtClean="0"/>
-              <a:t>&gt;&lt;/</a:t>
-            </a:r>
-            <a:r>
-              <a:rPr lang="en-US" sz="2200" dirty="0" err="1" smtClean="0"/>
-              <a:t>ul</a:t>
-            </a:r>
-            <a:r>
-              <a:rPr lang="en-US" sz="2200" dirty="0" smtClean="0"/>
-              <a:t>&gt;</a:t>
-            </a:r>
-          </a:p>
-          <a:p>
-            <a:pPr lvl="2"/>
-            <a:r>
-              <a:rPr lang="en-US" dirty="0" smtClean="0"/>
-              <a:t>Used to create unordered list</a:t>
-            </a:r>
-            <a:endParaRPr lang="en-US" dirty="0" smtClean="0"/>
+              <a:rPr lang="en-US" sz="2800" dirty="0" smtClean="0"/>
+              <a:t>Span &lt;span&gt;&lt;/span&gt; - everything within can have different styles applied</a:t>
+            </a:r>
           </a:p>
           <a:p>
             <a:pPr lvl="1"/>
-            <a:r>
-              <a:rPr lang="en-US" sz="2200" dirty="0" smtClean="0"/>
-              <a:t>Ordered List &lt;</a:t>
-            </a:r>
-            <a:r>
-              <a:rPr lang="en-US" sz="2200" dirty="0" err="1" smtClean="0"/>
-              <a:t>ol</a:t>
-            </a:r>
-            <a:r>
-              <a:rPr lang="en-US" sz="2200" dirty="0" smtClean="0"/>
-              <a:t>&gt;&lt;/</a:t>
-            </a:r>
-            <a:r>
-              <a:rPr lang="en-US" sz="2200" dirty="0" err="1" smtClean="0"/>
-              <a:t>ol</a:t>
-            </a:r>
-            <a:r>
-              <a:rPr lang="en-US" sz="2200" dirty="0" smtClean="0"/>
-              <a:t>&gt;</a:t>
-            </a:r>
-          </a:p>
-          <a:p>
-            <a:pPr lvl="2"/>
-            <a:r>
-              <a:rPr lang="en-US" dirty="0" smtClean="0"/>
-              <a:t>Used to create ordered list</a:t>
-            </a:r>
-            <a:endParaRPr lang="en-US" dirty="0" smtClean="0"/>
+            <a:endParaRPr lang="en-US" sz="2800" dirty="0"/>
+          </a:p>
+          <a:p>
+            <a:r>
+              <a:rPr lang="en-US" sz="3200" dirty="0" smtClean="0"/>
+              <a:t>Common Element Attributes</a:t>
+            </a:r>
           </a:p>
           <a:p>
             <a:pPr lvl="1"/>
             <a:r>
-              <a:rPr lang="en-US" sz="2200" dirty="0" smtClean="0"/>
-              <a:t>List &lt;li&gt;&lt;/li</a:t>
-            </a:r>
-            <a:r>
-              <a:rPr lang="en-US" sz="2200" dirty="0" smtClean="0"/>
-              <a:t>&gt;</a:t>
-            </a:r>
-          </a:p>
-          <a:p>
-            <a:pPr lvl="2"/>
-            <a:r>
-              <a:rPr lang="en-US" dirty="0" smtClean="0"/>
-              <a:t>Individual list items in an ordered/unordered list</a:t>
-            </a:r>
-            <a:endParaRPr lang="en-US" dirty="0" smtClean="0"/>
+              <a:rPr lang="en-US" sz="2800" dirty="0" smtClean="0"/>
+              <a:t>Id id=“xxx”</a:t>
+            </a:r>
           </a:p>
           <a:p>
             <a:pPr lvl="1"/>
-            <a:endParaRPr lang="en-US" dirty="0" smtClean="0"/>
+            <a:r>
+              <a:rPr lang="en-US" sz="2800" dirty="0" smtClean="0"/>
+              <a:t>Class class=“xxx”</a:t>
+            </a:r>
           </a:p>
           <a:p>
             <a:pPr lvl="1"/>
-            <a:endParaRPr lang="en-US" dirty="0" smtClean="0"/>
-          </a:p>
-          <a:p>
             <a:endParaRPr lang="en-US" dirty="0"/>
           </a:p>
         </p:txBody>
@@ -4730,7 +4815,7 @@
     </p:spTree>
     <p:extLst>
       <p:ext uri="{BB962C8B-B14F-4D97-AF65-F5344CB8AC3E}">
-        <p14:creationId xmlns:p14="http://schemas.microsoft.com/office/powerpoint/2010/main" val="2220027171"/>
+        <p14:creationId xmlns:p14="http://schemas.microsoft.com/office/powerpoint/2010/main" val="2533152119"/>
       </p:ext>
     </p:extLst>
   </p:cSld>
@@ -4772,6 +4857,10 @@
           <a:bodyPr/>
           <a:lstStyle/>
           <a:p>
+            <a:r>
+              <a:rPr lang="en-US" dirty="0" smtClean="0"/>
+              <a:t>Lesson 2 – New Tags</a:t>
+            </a:r>
             <a:endParaRPr lang="en-US" dirty="0"/>
           </a:p>
         </p:txBody>
@@ -4788,47 +4877,288 @@
         </p:nvSpPr>
         <p:spPr/>
         <p:txBody>
-          <a:bodyPr/>
+          <a:bodyPr>
+            <a:normAutofit fontScale="92500" lnSpcReduction="10000"/>
+          </a:bodyPr>
           <a:lstStyle/>
           <a:p>
             <a:r>
               <a:rPr lang="en-US" sz="2600" dirty="0"/>
-              <a:t>New Attributes</a:t>
+              <a:t>New HTML Elements</a:t>
             </a:r>
           </a:p>
           <a:p>
             <a:pPr lvl="1"/>
             <a:r>
-              <a:rPr lang="en-US" sz="2200" dirty="0" err="1"/>
+              <a:rPr lang="en-US" sz="2800" dirty="0"/>
+              <a:t>Anchor &lt;a&gt;&lt;/a&gt; - Are used to create clickable links to other pages, pictures, videos, etc.</a:t>
+            </a:r>
+          </a:p>
+          <a:p>
+            <a:pPr lvl="2"/>
+            <a:r>
+              <a:rPr lang="en-US" sz="2000" dirty="0"/>
+              <a:t>Target=“_blank” - Specifies where to open the linked document.</a:t>
+            </a:r>
+          </a:p>
+          <a:p>
+            <a:pPr lvl="2"/>
+            <a:r>
+              <a:rPr lang="en-US" sz="2000" dirty="0" err="1"/>
+              <a:t>href</a:t>
+            </a:r>
+            <a:r>
+              <a:rPr lang="en-US" sz="2000" dirty="0"/>
+              <a:t>=</a:t>
+            </a:r>
+            <a:r>
+              <a:rPr lang="en-US" sz="2000" dirty="0">
+                <a:hlinkClick r:id="rId2"/>
+              </a:rPr>
+              <a:t>“www.example.pe</a:t>
+            </a:r>
+            <a:r>
+              <a:rPr lang="en-US" sz="2000" dirty="0"/>
+              <a:t>” -  Specifies the URL of the page the link goes to.</a:t>
+            </a:r>
+          </a:p>
+          <a:p>
+            <a:pPr lvl="2"/>
+            <a:r>
+              <a:rPr lang="en-US" sz="2000" dirty="0" err="1"/>
+              <a:t>rel</a:t>
+            </a:r>
+            <a:r>
+              <a:rPr lang="en-US" sz="2000" dirty="0"/>
+              <a:t>=“bookmark” - Specifies the relationship between the current document and the linked document</a:t>
+            </a:r>
+          </a:p>
+          <a:p>
+            <a:pPr lvl="1"/>
+            <a:r>
+              <a:rPr lang="en-US" sz="2800" dirty="0" err="1"/>
+              <a:t>Img</a:t>
+            </a:r>
+            <a:r>
+              <a:rPr lang="en-US" sz="2800" dirty="0"/>
+              <a:t> &lt;</a:t>
+            </a:r>
+            <a:r>
+              <a:rPr lang="en-US" sz="2800" dirty="0" err="1"/>
+              <a:t>img</a:t>
+            </a:r>
+            <a:r>
+              <a:rPr lang="en-US" sz="2800" dirty="0"/>
+              <a:t>&gt;&lt;/</a:t>
+            </a:r>
+            <a:r>
+              <a:rPr lang="en-US" sz="2800" dirty="0" err="1"/>
+              <a:t>img</a:t>
+            </a:r>
+            <a:r>
+              <a:rPr lang="en-US" sz="2800" dirty="0"/>
+              <a:t>&gt;</a:t>
+            </a:r>
+          </a:p>
+          <a:p>
+            <a:pPr lvl="2"/>
+            <a:r>
+              <a:rPr lang="en-US" sz="2000" dirty="0" err="1"/>
               <a:t>Src</a:t>
             </a:r>
             <a:r>
-              <a:rPr lang="en-US" sz="2200" dirty="0"/>
+              <a:rPr lang="en-US" sz="2000" dirty="0"/>
               <a:t> </a:t>
             </a:r>
             <a:r>
-              <a:rPr lang="en-US" sz="2200" dirty="0" err="1"/>
+              <a:rPr lang="en-US" sz="2000" dirty="0" err="1"/>
               <a:t>src</a:t>
             </a:r>
             <a:r>
-              <a:rPr lang="en-US" sz="2200" dirty="0"/>
-              <a:t>=“../images/example.png”</a:t>
+              <a:rPr lang="en-US" sz="2000" dirty="0"/>
+              <a:t>=“../images/example.png” - Specifies the URL of an image</a:t>
+            </a:r>
+          </a:p>
+          <a:p>
+            <a:pPr lvl="2"/>
+            <a:r>
+              <a:rPr lang="en-US" sz="2000" dirty="0"/>
+              <a:t>alt=“example text here” - Specifies an alternate text for an image</a:t>
+            </a:r>
+          </a:p>
+          <a:p>
+            <a:pPr lvl="2"/>
+            <a:r>
+              <a:rPr lang="en-US" sz="2000" dirty="0"/>
+              <a:t>height=“100” - Specifies the height of an image in pixels</a:t>
+            </a:r>
+          </a:p>
+          <a:p>
+            <a:pPr lvl="2"/>
+            <a:r>
+              <a:rPr lang="en-US" sz="2000" dirty="0"/>
+              <a:t>width=“100” - Specifies the width of an image in pixels</a:t>
             </a:r>
           </a:p>
           <a:p>
             <a:pPr lvl="1"/>
-            <a:r>
-              <a:rPr lang="en-US" sz="2200" dirty="0"/>
-              <a:t>Width width=“100px”</a:t>
-            </a:r>
+            <a:endParaRPr lang="en-US" dirty="0" smtClean="0"/>
           </a:p>
           <a:p>
             <a:pPr lvl="1"/>
-            <a:r>
-              <a:rPr lang="en-US" sz="2200" dirty="0"/>
-              <a:t>Height height=“100px”</a:t>
-            </a:r>
-            <a:endParaRPr lang="en-US" sz="2200" dirty="0"/>
+            <a:endParaRPr lang="en-US" dirty="0" smtClean="0"/>
+          </a:p>
+          <a:p>
+            <a:endParaRPr lang="en-US" dirty="0"/>
+          </a:p>
+        </p:txBody>
+      </p:sp>
+    </p:spTree>
+    <p:extLst>
+      <p:ext uri="{BB962C8B-B14F-4D97-AF65-F5344CB8AC3E}">
+        <p14:creationId xmlns:p14="http://schemas.microsoft.com/office/powerpoint/2010/main" val="2220027171"/>
+      </p:ext>
+    </p:extLst>
+  </p:cSld>
+  <p:clrMapOvr>
+    <a:masterClrMapping/>
+  </p:clrMapOvr>
+</p:sld>
+</file>
+
+<file path=ppt/slides/slide8.xml><?xml version="1.0" encoding="utf-8"?>
+<p:sld xmlns:a="http://schemas.openxmlformats.org/drawingml/2006/main" xmlns:r="http://schemas.openxmlformats.org/officeDocument/2006/relationships" xmlns:p="http://schemas.openxmlformats.org/presentationml/2006/main">
+  <p:cSld>
+    <p:spTree>
+      <p:nvGrpSpPr>
+        <p:cNvPr id="1" name=""/>
+        <p:cNvGrpSpPr/>
+        <p:nvPr/>
+      </p:nvGrpSpPr>
+      <p:grpSpPr>
+        <a:xfrm>
+          <a:off x="0" y="0"/>
+          <a:ext cx="0" cy="0"/>
+          <a:chOff x="0" y="0"/>
+          <a:chExt cx="0" cy="0"/>
+        </a:xfrm>
+      </p:grpSpPr>
+      <p:sp>
+        <p:nvSpPr>
+          <p:cNvPr id="2" name="Title 1"/>
+          <p:cNvSpPr>
+            <a:spLocks noGrp="1"/>
+          </p:cNvSpPr>
+          <p:nvPr>
+            <p:ph type="title"/>
+          </p:nvPr>
+        </p:nvSpPr>
+        <p:spPr/>
+        <p:txBody>
+          <a:bodyPr/>
+          <a:lstStyle/>
+          <a:p>
+            <a:endParaRPr lang="en-US" dirty="0"/>
+          </a:p>
+        </p:txBody>
+      </p:sp>
+      <p:sp>
+        <p:nvSpPr>
+          <p:cNvPr id="3" name="Content Placeholder 2"/>
+          <p:cNvSpPr>
+            <a:spLocks noGrp="1"/>
+          </p:cNvSpPr>
+          <p:nvPr>
+            <p:ph idx="1"/>
+          </p:nvPr>
+        </p:nvSpPr>
+        <p:spPr/>
+        <p:txBody>
+          <a:bodyPr/>
+          <a:lstStyle/>
+          <a:p>
+            <a:pPr lvl="1"/>
+            <a:r>
+              <a:rPr lang="en-US" sz="4000" dirty="0"/>
+              <a:t>Unordered List &lt;</a:t>
+            </a:r>
+            <a:r>
+              <a:rPr lang="en-US" sz="4000" dirty="0" err="1"/>
+              <a:t>ul</a:t>
+            </a:r>
+            <a:r>
+              <a:rPr lang="en-US" sz="4000" dirty="0"/>
+              <a:t>&gt;&lt;/</a:t>
+            </a:r>
+            <a:r>
+              <a:rPr lang="en-US" sz="4000" dirty="0" err="1"/>
+              <a:t>ul</a:t>
+            </a:r>
+            <a:r>
+              <a:rPr lang="en-US" sz="4000" dirty="0"/>
+              <a:t>&gt; - an unordered html list</a:t>
+            </a:r>
+          </a:p>
+          <a:p>
+            <a:pPr lvl="1"/>
+            <a:r>
+              <a:rPr lang="en-US" sz="4000" dirty="0"/>
+              <a:t>Ordered List &lt;</a:t>
+            </a:r>
+            <a:r>
+              <a:rPr lang="en-US" sz="4000" dirty="0" err="1"/>
+              <a:t>ol</a:t>
+            </a:r>
+            <a:r>
+              <a:rPr lang="en-US" sz="4000" dirty="0"/>
+              <a:t>&gt;&lt;/</a:t>
+            </a:r>
+            <a:r>
+              <a:rPr lang="en-US" sz="4000" dirty="0" err="1"/>
+              <a:t>ol</a:t>
+            </a:r>
+            <a:r>
+              <a:rPr lang="en-US" sz="4000" dirty="0"/>
+              <a:t>&gt; - an ordered html list</a:t>
+            </a:r>
+          </a:p>
+          <a:p>
+            <a:pPr lvl="1"/>
+            <a:r>
+              <a:rPr lang="en-US" sz="4000" dirty="0"/>
+              <a:t>List &lt;li&gt;&lt;/li&gt; - used in &lt;</a:t>
+            </a:r>
+            <a:r>
+              <a:rPr lang="en-US" sz="4000" dirty="0" err="1"/>
+              <a:t>ol</a:t>
+            </a:r>
+            <a:r>
+              <a:rPr lang="en-US" sz="4000" dirty="0"/>
+              <a:t>&gt; and &lt;</a:t>
+            </a:r>
+            <a:r>
+              <a:rPr lang="en-US" sz="4000" dirty="0" err="1"/>
+              <a:t>ul</a:t>
+            </a:r>
+            <a:r>
+              <a:rPr lang="en-US" sz="4000" dirty="0"/>
+              <a:t>&gt; to denote a list item</a:t>
+            </a:r>
+          </a:p>
+          <a:p>
+            <a:pPr lvl="2"/>
+            <a:r>
+              <a:rPr lang="en-US" sz="2800" dirty="0"/>
+              <a:t>Specifies the value of a list item. The following list items will increment from that number (only for &lt;</a:t>
+            </a:r>
+            <a:r>
+              <a:rPr lang="en-US" sz="2800" dirty="0" err="1"/>
+              <a:t>ol</a:t>
+            </a:r>
+            <a:r>
+              <a:rPr lang="en-US" sz="2800" dirty="0"/>
+              <a:t>&gt; lists)</a:t>
+            </a:r>
           </a:p>
         </p:txBody>
       </p:sp>
@@ -4836,6 +5166,251 @@
     <p:extLst>
       <p:ext uri="{BB962C8B-B14F-4D97-AF65-F5344CB8AC3E}">
         <p14:creationId xmlns:p14="http://schemas.microsoft.com/office/powerpoint/2010/main" val="2385805682"/>
+      </p:ext>
+    </p:extLst>
+  </p:cSld>
+  <p:clrMapOvr>
+    <a:masterClrMapping/>
+  </p:clrMapOvr>
+</p:sld>
+</file>
+
+<file path=ppt/slides/slide9.xml><?xml version="1.0" encoding="utf-8"?>
+<p:sld xmlns:a="http://schemas.openxmlformats.org/drawingml/2006/main" xmlns:r="http://schemas.openxmlformats.org/officeDocument/2006/relationships" xmlns:p="http://schemas.openxmlformats.org/presentationml/2006/main">
+  <p:cSld>
+    <p:spTree>
+      <p:nvGrpSpPr>
+        <p:cNvPr id="1" name=""/>
+        <p:cNvGrpSpPr/>
+        <p:nvPr/>
+      </p:nvGrpSpPr>
+      <p:grpSpPr>
+        <a:xfrm>
+          <a:off x="0" y="0"/>
+          <a:ext cx="0" cy="0"/>
+          <a:chOff x="0" y="0"/>
+          <a:chExt cx="0" cy="0"/>
+        </a:xfrm>
+      </p:grpSpPr>
+      <p:sp>
+        <p:nvSpPr>
+          <p:cNvPr id="2" name="Title 1"/>
+          <p:cNvSpPr>
+            <a:spLocks noGrp="1"/>
+          </p:cNvSpPr>
+          <p:nvPr>
+            <p:ph type="title"/>
+          </p:nvPr>
+        </p:nvSpPr>
+        <p:spPr/>
+        <p:txBody>
+          <a:bodyPr/>
+          <a:lstStyle/>
+          <a:p>
+            <a:r>
+              <a:rPr lang="en-US" dirty="0" smtClean="0"/>
+              <a:t>HTML elements cont.</a:t>
+            </a:r>
+            <a:endParaRPr lang="en-US" dirty="0"/>
+          </a:p>
+        </p:txBody>
+      </p:sp>
+      <p:sp>
+        <p:nvSpPr>
+          <p:cNvPr id="3" name="Content Placeholder 2"/>
+          <p:cNvSpPr>
+            <a:spLocks noGrp="1"/>
+          </p:cNvSpPr>
+          <p:nvPr>
+            <p:ph idx="1"/>
+          </p:nvPr>
+        </p:nvSpPr>
+        <p:spPr/>
+        <p:txBody>
+          <a:bodyPr/>
+          <a:lstStyle/>
+          <a:p>
+            <a:r>
+              <a:rPr lang="en-US" dirty="0" smtClean="0"/>
+              <a:t>Block </a:t>
+            </a:r>
+            <a:r>
+              <a:rPr lang="en-US" dirty="0" smtClean="0"/>
+              <a:t>quotes &lt;</a:t>
+            </a:r>
+            <a:r>
+              <a:rPr lang="en-US" dirty="0" err="1" smtClean="0"/>
+              <a:t>blockquote</a:t>
+            </a:r>
+            <a:r>
+              <a:rPr lang="en-US" dirty="0" smtClean="0"/>
+              <a:t>&gt;&lt;/</a:t>
+            </a:r>
+            <a:r>
+              <a:rPr lang="en-US" dirty="0" err="1" smtClean="0"/>
+              <a:t>blockquote</a:t>
+            </a:r>
+            <a:r>
+              <a:rPr lang="en-US" dirty="0" smtClean="0"/>
+              <a:t>&gt; - </a:t>
+            </a:r>
+            <a:r>
+              <a:rPr lang="en-US" dirty="0"/>
+              <a:t>Defines a section that is quoted from another </a:t>
+            </a:r>
+            <a:r>
+              <a:rPr lang="en-US" dirty="0" smtClean="0"/>
+              <a:t>source.</a:t>
+            </a:r>
+            <a:endParaRPr lang="en-US" dirty="0" smtClean="0"/>
+          </a:p>
+          <a:p>
+            <a:r>
+              <a:rPr lang="en-US" dirty="0" smtClean="0"/>
+              <a:t>Cite &lt;cite&gt;&lt;/cite&gt; - </a:t>
+            </a:r>
+            <a:r>
+              <a:rPr lang="en-US" dirty="0"/>
+              <a:t>Defines the title of a </a:t>
+            </a:r>
+            <a:r>
+              <a:rPr lang="en-US" dirty="0" smtClean="0"/>
+              <a:t>work.</a:t>
+            </a:r>
+            <a:endParaRPr lang="en-US" dirty="0" smtClean="0"/>
+          </a:p>
+          <a:p>
+            <a:r>
+              <a:rPr lang="en-US" dirty="0" smtClean="0"/>
+              <a:t>Abbreviation &lt;</a:t>
+            </a:r>
+            <a:r>
+              <a:rPr lang="en-US" dirty="0" err="1" smtClean="0"/>
+              <a:t>abbr</a:t>
+            </a:r>
+            <a:r>
+              <a:rPr lang="en-US" dirty="0" smtClean="0"/>
+              <a:t>&gt;&lt;/</a:t>
+            </a:r>
+            <a:r>
+              <a:rPr lang="en-US" dirty="0" err="1" smtClean="0"/>
+              <a:t>abbr</a:t>
+            </a:r>
+            <a:r>
+              <a:rPr lang="en-US" dirty="0" smtClean="0"/>
+              <a:t>&gt; - </a:t>
+            </a:r>
+            <a:r>
+              <a:rPr lang="en-US" dirty="0"/>
+              <a:t>Defines an abbreviation or an </a:t>
+            </a:r>
+            <a:r>
+              <a:rPr lang="en-US" dirty="0" smtClean="0"/>
+              <a:t>acronym.</a:t>
+            </a:r>
+          </a:p>
+          <a:p>
+            <a:r>
+              <a:rPr lang="en-US" dirty="0" smtClean="0"/>
+              <a:t>Code &lt;code&gt;&lt;/code&gt; - </a:t>
+            </a:r>
+            <a:r>
+              <a:rPr lang="en-US" dirty="0"/>
+              <a:t>Defines a piece of computer </a:t>
+            </a:r>
+            <a:r>
+              <a:rPr lang="en-US" dirty="0" smtClean="0"/>
+              <a:t>code.</a:t>
+            </a:r>
+          </a:p>
+          <a:p>
+            <a:r>
+              <a:rPr lang="en-US" dirty="0" err="1" smtClean="0"/>
+              <a:t>Fieldset</a:t>
+            </a:r>
+            <a:r>
+              <a:rPr lang="en-US" dirty="0" smtClean="0"/>
+              <a:t> &lt;</a:t>
+            </a:r>
+            <a:r>
+              <a:rPr lang="en-US" dirty="0" err="1" smtClean="0"/>
+              <a:t>fieldset</a:t>
+            </a:r>
+            <a:r>
+              <a:rPr lang="en-US" dirty="0" smtClean="0"/>
+              <a:t>&gt;&lt;/</a:t>
+            </a:r>
+            <a:r>
+              <a:rPr lang="en-US" dirty="0" err="1" smtClean="0"/>
+              <a:t>fieldset</a:t>
+            </a:r>
+            <a:r>
+              <a:rPr lang="en-US" dirty="0" smtClean="0"/>
+              <a:t>&gt; - </a:t>
+            </a:r>
+            <a:r>
+              <a:rPr lang="en-US" dirty="0"/>
+              <a:t>Groups related elements in a </a:t>
+            </a:r>
+            <a:r>
+              <a:rPr lang="en-US" dirty="0" smtClean="0"/>
+              <a:t>form.</a:t>
+            </a:r>
+          </a:p>
+          <a:p>
+            <a:r>
+              <a:rPr lang="en-US" dirty="0" smtClean="0"/>
+              <a:t>Iframe &lt;iframe /&gt; - </a:t>
+            </a:r>
+            <a:r>
+              <a:rPr lang="en-US" dirty="0"/>
+              <a:t>Defines an inline </a:t>
+            </a:r>
+            <a:r>
+              <a:rPr lang="en-US" dirty="0" smtClean="0"/>
+              <a:t>frame.</a:t>
+            </a:r>
+          </a:p>
+          <a:p>
+            <a:r>
+              <a:rPr lang="en-US" dirty="0" smtClean="0"/>
+              <a:t>Label &lt;label&gt;&lt;/label&gt; - </a:t>
+            </a:r>
+            <a:r>
+              <a:rPr lang="en-US" dirty="0"/>
+              <a:t>Defines a label for an &lt;input&gt; </a:t>
+            </a:r>
+            <a:r>
+              <a:rPr lang="en-US" dirty="0" smtClean="0"/>
+              <a:t>element</a:t>
+            </a:r>
+          </a:p>
+          <a:p>
+            <a:r>
+              <a:rPr lang="en-US" dirty="0" smtClean="0"/>
+              <a:t>Etc… </a:t>
+            </a:r>
+            <a:r>
+              <a:rPr lang="en-US" smtClean="0"/>
+              <a:t>See </a:t>
+            </a:r>
+            <a:r>
+              <a:rPr lang="en-US" smtClean="0">
+                <a:hlinkClick r:id="rId2"/>
+              </a:rPr>
+              <a:t>www.w3schools.com/tags/default.asp</a:t>
+            </a:r>
+            <a:endParaRPr lang="en-US" smtClean="0"/>
+          </a:p>
+          <a:p>
+            <a:endParaRPr lang="en-US" dirty="0"/>
+          </a:p>
+        </p:txBody>
+      </p:sp>
+    </p:spTree>
+    <p:extLst>
+      <p:ext uri="{BB962C8B-B14F-4D97-AF65-F5344CB8AC3E}">
+        <p14:creationId xmlns:p14="http://schemas.microsoft.com/office/powerpoint/2010/main" val="3547189317"/>
       </p:ext>
     </p:extLst>
   </p:cSld>
